--- a/topic09/talk-1/express apis.pptx
+++ b/topic09/talk-1/express apis.pptx
@@ -5,7 +5,7 @@
     <p:sldMasterId id="2147483660" r:id="rId1"/>
   </p:sldMasterIdLst>
   <p:notesMasterIdLst>
-    <p:notesMasterId r:id="rId22"/>
+    <p:notesMasterId r:id="rId21"/>
   </p:notesMasterIdLst>
   <p:sldIdLst>
     <p:sldId id="256" r:id="rId2"/>
@@ -21,13 +21,12 @@
     <p:sldId id="271" r:id="rId12"/>
     <p:sldId id="272" r:id="rId13"/>
     <p:sldId id="288" r:id="rId14"/>
-    <p:sldId id="273" r:id="rId15"/>
-    <p:sldId id="274" r:id="rId16"/>
-    <p:sldId id="275" r:id="rId17"/>
-    <p:sldId id="277" r:id="rId18"/>
-    <p:sldId id="276" r:id="rId19"/>
-    <p:sldId id="278" r:id="rId20"/>
-    <p:sldId id="279" r:id="rId21"/>
+    <p:sldId id="274" r:id="rId15"/>
+    <p:sldId id="275" r:id="rId16"/>
+    <p:sldId id="277" r:id="rId17"/>
+    <p:sldId id="276" r:id="rId18"/>
+    <p:sldId id="278" r:id="rId19"/>
+    <p:sldId id="279" r:id="rId20"/>
   </p:sldIdLst>
   <p:sldSz cx="12192000" cy="6858000"/>
   <p:notesSz cx="6858000" cy="9144000"/>
@@ -132,6 +131,70 @@
     </p:ext>
   </p:extLst>
 </p:presentation>
+</file>
+
+<file path=ppt/ink/ink1.xml><?xml version="1.0" encoding="utf-8"?>
+<inkml:ink xmlns:inkml="http://www.w3.org/2003/InkML">
+  <inkml:definitions>
+    <inkml:context xml:id="ctx0">
+      <inkml:inkSource xml:id="inkSrc0">
+        <inkml:traceFormat>
+          <inkml:channel name="X" type="integer" min="-2.14748E9" max="2.14748E9" units="cm"/>
+          <inkml:channel name="Y" type="integer" min="-2.14748E9" max="2.14748E9" units="cm"/>
+          <inkml:channel name="F" type="integer" max="32767" units="dev"/>
+          <inkml:channel name="OA" type="integer" max="360" units="deg"/>
+          <inkml:channel name="OE" type="integer" max="90" units="deg"/>
+        </inkml:traceFormat>
+        <inkml:channelProperties>
+          <inkml:channelProperty channel="X" name="resolution" value="1000" units="1/cm"/>
+          <inkml:channelProperty channel="Y" name="resolution" value="1000" units="1/cm"/>
+          <inkml:channelProperty channel="F" name="resolution" value="0" units="1/dev"/>
+          <inkml:channelProperty channel="OA" name="resolution" value="1000" units="1/deg"/>
+          <inkml:channelProperty channel="OE" name="resolution" value="1000" units="1/deg"/>
+        </inkml:channelProperties>
+      </inkml:inkSource>
+      <inkml:timestamp xml:id="ts0" timeString="2022-03-22T13:36:36.856"/>
+    </inkml:context>
+    <inkml:brush xml:id="br0">
+      <inkml:brushProperty name="width" value="0.025" units="cm"/>
+      <inkml:brushProperty name="height" value="0.025" units="cm"/>
+      <inkml:brushProperty name="color" value="#E71224"/>
+    </inkml:brush>
+  </inkml:definitions>
+  <inkml:trace contextRef="#ctx0" brushRef="#br0">1481 286 9216 0 0,'-4'-3'380'0'0,"-2"-3"127"0"0,0 0-1 0 0,0-1 0 0 0,1 1 1 0 0,0-1-1 0 0,-8-13 0 0 0,-22-26 8649 0 0,32 41-9057 0 0,-1 1 1 0 0,1-1 0 0 0,-1 1 0 0 0,-6-6-1 0 0,-9-13 2 0 0,11 13-110 0 0,-1 0-1 0 0,0 1 1 0 0,0 0-1 0 0,0 0 1 0 0,-1 1-1 0 0,-21-13 1 0 0,18 12-76 0 0,0 2-91 0 0,0 0 0 0 0,-1 1-1 0 0,0 0 1 0 0,0 1 0 0 0,0 1-1 0 0,0 0 1 0 0,-30-3 0 0 0,14 5-56 0 0,-1 1 1 0 0,-53 5-1 0 0,66-1 197 0 0,1 0 0 0 0,0 0 0 0 0,0 2 0 0 0,0 0 0 0 0,1 1 0 0 0,-21 10 0 0 0,3 5 60 0 0,1 0 0 0 0,0 2 0 0 0,2 2 0 0 0,-35 33 0 0 0,24-13 72 0 0,-65 89-1 0 0,98-122-94 0 0,-13 18-5 0 0,-115 169-126 0 0,106-146 91 0 0,7-11 18 0 0,-30 65-1 0 0,-25 57 55 0 0,51-111 3 0 0,-39 103-1 0 0,61-134 13 0 0,1-1-1 0 0,-3 35 0 0 0,0 2 35 0 0,2-24-44 0 0,3 0-1 0 0,0 0 0 0 0,4 48 0 0 0,19 102 12 0 0,-7-112-17 0 0,35 113 0 0 0,-35-150-18 0 0,1 0 0 0 0,1 0 0 0 0,2-2 1 0 0,2 0-1 0 0,1-1 0 0 0,1 0 0 0 0,2-2 0 0 0,35 37 1 0 0,-36-43 5 0 0,22 24 148 0 0,2-2-1 0 0,60 47 0 0 0,-95-85-129 0 0,0-1 0 0 0,1-1 0 0 0,0 0 0 0 0,0-1-1 0 0,1 0 1 0 0,-1 0 0 0 0,1-2 0 0 0,24 5 0 0 0,9-2 132 0 0,55-1 0 0 0,-84-4-123 0 0,10-1 25 0 0,1-2 0 0 0,-1 0 0 0 0,1-2 0 0 0,-1 0 0 0 0,34-12-1 0 0,-8-1 146 0 0,81-40-1 0 0,24-33 237 0 0,-91 49-170 0 0,-32 20-164 0 0,-1-2-1 0 0,-1-1 1 0 0,-1-1-1 0 0,-2-2 0 0 0,42-46 1 0 0,174-240 53 0 0,-197 246-107 0 0,33-51 99 0 0,35-76 110 0 0,-97 155-188 0 0,-3 0 0 0 0,-1-1 0 0 0,15-57 0 0 0,-14 43 18 0 0,-7 14 6 0 0,-1-1 1 0 0,-2 0 0 0 0,-2 0 0 0 0,-2-1 0 0 0,-1 1 0 0 0,-3-1-1 0 0,-6-53 1 0 0,-1 43 25 0 0,-2 1 0 0 0,-26-83 0 0 0,22 98-32 0 0,-1 1 0 0 0,-2 0-1 0 0,-26-38 1 0 0,27 45-23 0 0,1 5-14 0 0,-1 0 1 0 0,-1 2-1 0 0,-1-1 0 0 0,-1 2 0 0 0,0 1 0 0 0,-2 0 0 0 0,0 1 1 0 0,-1 2-1 0 0,-1 0 0 0 0,0 1 0 0 0,-2 1 0 0 0,1 2 1 0 0,-1 0-1 0 0,-1 2 0 0 0,0 0 0 0 0,0 2 0 0 0,-30-5 0 0 0,7 7-146 0 0,-99 1-1 0 0,76 4 11 0 0,-34-1-82 0 0,0 5-1 0 0,-127 18 1 0 0,188-15-360 0 0,-88 1-1 0 0,117-7 223 0 0,0 1 1 0 0,-19 3-1 0 0,-8 9-7009 0 0,15-2-657 0 0</inkml:trace>
+</inkml:ink>
+</file>
+
+<file path=ppt/ink/ink2.xml><?xml version="1.0" encoding="utf-8"?>
+<inkml:ink xmlns:inkml="http://www.w3.org/2003/InkML">
+  <inkml:definitions>
+    <inkml:context xml:id="ctx0">
+      <inkml:inkSource xml:id="inkSrc0">
+        <inkml:traceFormat>
+          <inkml:channel name="X" type="integer" min="-2.14748E9" max="2.14748E9" units="cm"/>
+          <inkml:channel name="Y" type="integer" min="-2.14748E9" max="2.14748E9" units="cm"/>
+          <inkml:channel name="F" type="integer" max="32767" units="dev"/>
+          <inkml:channel name="OA" type="integer" max="360" units="deg"/>
+          <inkml:channel name="OE" type="integer" max="90" units="deg"/>
+        </inkml:traceFormat>
+        <inkml:channelProperties>
+          <inkml:channelProperty channel="X" name="resolution" value="1000" units="1/cm"/>
+          <inkml:channelProperty channel="Y" name="resolution" value="1000" units="1/cm"/>
+          <inkml:channelProperty channel="F" name="resolution" value="0" units="1/dev"/>
+          <inkml:channelProperty channel="OA" name="resolution" value="1000" units="1/deg"/>
+          <inkml:channelProperty channel="OE" name="resolution" value="1000" units="1/deg"/>
+        </inkml:channelProperties>
+      </inkml:inkSource>
+      <inkml:timestamp xml:id="ts0" timeString="2022-03-22T13:36:38.281"/>
+    </inkml:context>
+    <inkml:brush xml:id="br0">
+      <inkml:brushProperty name="width" value="0.025" units="cm"/>
+      <inkml:brushProperty name="height" value="0.025" units="cm"/>
+      <inkml:brushProperty name="color" value="#E71224"/>
+    </inkml:brush>
+  </inkml:definitions>
+  <inkml:trace contextRef="#ctx0" brushRef="#br0">1770 468 13824 0 0,'-25'-7'629'0'0,"24"7"-573"0"0,0 0 0 0 0,1-1 0 0 0,-1 1-1 0 0,0-1 1 0 0,1 1 0 0 0,-1 0 0 0 0,0-1 0 0 0,1 1 0 0 0,-1-1 0 0 0,1 0 0 0 0,-1 1 0 0 0,1-1 0 0 0,-1 1-1 0 0,1-1 1 0 0,-1-1 0 0 0,-6-6-83 0 0,-4 1-272 0 0,1 0 1092 0 0,-1 1-1 0 0,0-1 1 0 0,0 2 0 0 0,0-1 0 0 0,-1 2-1 0 0,-15-5 1 0 0,-6 2-296 0 0,1 2 0 0 0,-43-2-1 0 0,57 6-540 0 0,0 2 0 0 0,1 0-1 0 0,-1 1 1 0 0,0 0-1 0 0,-32 10 1 0 0,36-6-104 0 0,2 0 0 0 0,-1 1 0 0 0,1 1 0 0 0,0 0 1 0 0,-17 15-1 0 0,-12 7-66 0 0,5-8 54 0 0,-72 31 0 0 0,-1-1 91 0 0,92-42 71 0 0,1 0-1 0 0,1 1 1 0 0,0 0-1 0 0,-20 20 0 0 0,-122 145 227 0 0,-32 33 144 0 0,124-146-159 0 0,-78 100 1 0 0,113-124-164 0 0,2 2 0 0 0,2 1 0 0 0,1 1 0 0 0,-21 54 1 0 0,13-19-26 0 0,3 1-1 0 0,-21 95 1 0 0,38-115 14 0 0,3 2 0 0 0,-5 116-1 0 0,15-152-26 0 0,2 1 0 0 0,0-1-1 0 0,1 0 1 0 0,2 0-1 0 0,0 0 1 0 0,2-1 0 0 0,0 0-1 0 0,2 0 1 0 0,21 41-1 0 0,-19-48 1 0 0,1-1 1 0 0,1 0-1 0 0,0-1 0 0 0,16 14 0 0 0,-1 0 14 0 0,-7-9 23 0 0,0-1 0 0 0,1 0 0 0 0,41 25 0 0 0,80 37-13 0 0,-108-63-87 0 0,6 3 37 0 0,2-2 0 0 0,0-3 0 0 0,1-1 0 0 0,1-2-1 0 0,50 8 1 0 0,2-7-9 0 0,134 4-1 0 0,-177-18 53 0 0,-1-3 0 0 0,1-1 0 0 0,-1-3 0 0 0,0-3 0 0 0,95-29 0 0 0,-110 26 41 0 0,1-2 1 0 0,-2-2-1 0 0,0-1 1 0 0,-1-2-1 0 0,-1-1 1 0 0,-1-2-1 0 0,-1-1 0 0 0,-1-2 1 0 0,-2-1-1 0 0,0-1 1 0 0,-2-1-1 0 0,-1-2 1 0 0,27-40-1 0 0,-27 28 188 0 0,-1-1 0 0 0,-2-1 0 0 0,-3-2-1 0 0,-1 0 1 0 0,26-96 0 0 0,24-118 707 0 0,-63 219-776 0 0,-2 1-1 0 0,0-76 1 0 0,-3 44-44 0 0,1 22-21 0 0,-2 0 0 0 0,-3 0 0 0 0,-9-63 0 0 0,-69-221 429 0 0,52 252-301 0 0,-48-104-1 0 0,62 155-186 0 0,-23-41 203 0 0,-78-116-1 0 0,115 189-266 0 0,-30-43 102 0 0,-2 0-1 0 0,-3 3 1 0 0,0 0 0 0 0,-3 3-1 0 0,-66-53 1 0 0,77 71-85 0 0,0 1 1 0 0,-1 1-1 0 0,0 1 1 0 0,-48-18-1 0 0,57 26-61 0 0,-1 2 0 0 0,0 0 0 0 0,-1 1 0 0 0,0 1-1 0 0,1 1 1 0 0,-1 1 0 0 0,0 0 0 0 0,-27 3 0 0 0,31 1-383 0 0,1 1 1 0 0,-1 0-1 0 0,-30 12 1 0 0,-2 4-1313 0 0</inkml:trace>
+</inkml:ink>
 </file>
 
 <file path=ppt/notesMasters/notesMaster1.xml><?xml version="1.0" encoding="utf-8"?>
@@ -1343,182 +1406,6 @@
         <p14:creationId xmlns:p14="http://schemas.microsoft.com/office/powerpoint/2010/main" val="2343119116"/>
       </p:ext>
     </p:extLst>
-  </p:cSld>
-  <p:clrMapOvr>
-    <a:masterClrMapping/>
-  </p:clrMapOvr>
-</p:notes>
-</file>
-
-<file path=ppt/notesSlides/notesSlide9.xml><?xml version="1.0" encoding="utf-8"?>
-<p:notes xmlns:a="http://schemas.openxmlformats.org/drawingml/2006/main" xmlns:r="http://schemas.openxmlformats.org/officeDocument/2006/relationships" xmlns:p="http://schemas.openxmlformats.org/presentationml/2006/main">
-  <p:cSld>
-    <p:spTree>
-      <p:nvGrpSpPr>
-        <p:cNvPr id="1" name=""/>
-        <p:cNvGrpSpPr/>
-        <p:nvPr/>
-      </p:nvGrpSpPr>
-      <p:grpSpPr>
-        <a:xfrm>
-          <a:off x="0" y="0"/>
-          <a:ext cx="0" cy="0"/>
-          <a:chOff x="0" y="0"/>
-          <a:chExt cx="0" cy="0"/>
-        </a:xfrm>
-      </p:grpSpPr>
-      <p:sp>
-        <p:nvSpPr>
-          <p:cNvPr id="357" name="PlaceHolder 1"/>
-          <p:cNvSpPr>
-            <a:spLocks noGrp="1"/>
-          </p:cNvSpPr>
-          <p:nvPr>
-            <p:ph type="body"/>
-          </p:nvPr>
-        </p:nvSpPr>
-        <p:spPr>
-          <a:xfrm>
-            <a:off x="685800" y="4343400"/>
-            <a:ext cx="5484600" cy="4113000"/>
-          </a:xfrm>
-          <a:prstGeom prst="rect">
-            <a:avLst/>
-          </a:prstGeom>
-        </p:spPr>
-        <p:txBody>
-          <a:bodyPr lIns="0" tIns="0" rIns="0" bIns="0"/>
-          <a:lstStyle/>
-          <a:p>
-            <a:r>
-              <a:rPr lang="en-IE" sz="2000" dirty="0" err="1">
-                <a:latin typeface="Arial"/>
-              </a:rPr>
-              <a:t>Req.Param</a:t>
-            </a:r>
-            <a:r>
-              <a:rPr lang="en-IE" sz="2000" dirty="0">
-                <a:latin typeface="Arial"/>
-              </a:rPr>
-              <a:t> is an abstraction layer for picking up information about a request – it automatically searches:</a:t>
-            </a:r>
-            <a:endParaRPr dirty="0"/>
-          </a:p>
-          <a:p>
-            <a:pPr>
-              <a:lnSpc>
-                <a:spcPct val="100000"/>
-              </a:lnSpc>
-              <a:buFont typeface="StarSymbol"/>
-              <a:buAutoNum type="arabicPeriod"/>
-            </a:pPr>
-            <a:r>
-              <a:rPr lang="en-IE" sz="2000" dirty="0">
-                <a:latin typeface="Arial"/>
-              </a:rPr>
-              <a:t>Query strings</a:t>
-            </a:r>
-            <a:endParaRPr dirty="0"/>
-          </a:p>
-          <a:p>
-            <a:pPr>
-              <a:lnSpc>
-                <a:spcPct val="100000"/>
-              </a:lnSpc>
-              <a:buFont typeface="StarSymbol"/>
-              <a:buAutoNum type="arabicPeriod"/>
-            </a:pPr>
-            <a:r>
-              <a:rPr lang="en-IE" sz="2000" dirty="0">
-                <a:latin typeface="Arial"/>
-              </a:rPr>
-              <a:t>Posted form values</a:t>
-            </a:r>
-            <a:endParaRPr dirty="0"/>
-          </a:p>
-          <a:p>
-            <a:pPr>
-              <a:lnSpc>
-                <a:spcPct val="100000"/>
-              </a:lnSpc>
-              <a:buFont typeface="StarSymbol"/>
-              <a:buAutoNum type="arabicPeriod"/>
-            </a:pPr>
-            <a:r>
-              <a:rPr lang="en-IE" sz="2000" dirty="0">
-                <a:latin typeface="Arial"/>
-              </a:rPr>
-              <a:t>Route values</a:t>
-            </a:r>
-            <a:endParaRPr dirty="0"/>
-          </a:p>
-          <a:p>
-            <a:pPr>
-              <a:lnSpc>
-                <a:spcPct val="100000"/>
-              </a:lnSpc>
-            </a:pPr>
-            <a:endParaRPr dirty="0"/>
-          </a:p>
-          <a:p>
-            <a:pPr>
-              <a:lnSpc>
-                <a:spcPct val="100000"/>
-              </a:lnSpc>
-            </a:pPr>
-            <a:r>
-              <a:rPr lang="en-IE" sz="2000" dirty="0">
-                <a:latin typeface="Arial"/>
-              </a:rPr>
-              <a:t>And will let you pick from what’s available</a:t>
-            </a:r>
-            <a:endParaRPr dirty="0"/>
-          </a:p>
-        </p:txBody>
-      </p:sp>
-      <p:sp>
-        <p:nvSpPr>
-          <p:cNvPr id="358" name="CustomShape 2"/>
-          <p:cNvSpPr/>
-          <p:nvPr/>
-        </p:nvSpPr>
-        <p:spPr>
-          <a:xfrm>
-            <a:off x="3884760" y="8685360"/>
-            <a:ext cx="2970000" cy="455400"/>
-          </a:xfrm>
-          <a:prstGeom prst="rect">
-            <a:avLst/>
-          </a:prstGeom>
-          <a:noFill/>
-          <a:ln>
-            <a:noFill/>
-          </a:ln>
-        </p:spPr>
-        <p:txBody>
-          <a:bodyPr lIns="90000" tIns="45000" rIns="90000" bIns="45000" anchor="b"/>
-          <a:lstStyle/>
-          <a:p>
-            <a:pPr algn="r">
-              <a:lnSpc>
-                <a:spcPct val="100000"/>
-              </a:lnSpc>
-            </a:pPr>
-            <a:fld id="{63F323AA-31B7-4CFD-902B-09FE0C7B2E4D}" type="slidenum">
-              <a:rPr lang="en-IE" sz="1200">
-                <a:solidFill>
-                  <a:srgbClr val="000000"/>
-                </a:solidFill>
-                <a:latin typeface="+mn-lt"/>
-                <a:ea typeface="+mn-ea"/>
-              </a:rPr>
-              <a:t>14</a:t>
-            </a:fld>
-            <a:endParaRPr/>
-          </a:p>
-        </p:txBody>
-      </p:sp>
-    </p:spTree>
   </p:cSld>
   <p:clrMapOvr>
     <a:masterClrMapping/>
@@ -5403,6 +5290,36 @@
           <a:chExt cx="0" cy="0"/>
         </a:xfrm>
       </p:grpSpPr>
+      <p:pic>
+        <p:nvPicPr>
+          <p:cNvPr id="7" name="Picture 6">
+            <a:extLst>
+              <a:ext uri="{FF2B5EF4-FFF2-40B4-BE49-F238E27FC236}">
+                <a16:creationId xmlns:a16="http://schemas.microsoft.com/office/drawing/2014/main" id="{2A71C7F8-E7A2-45C1-A0BF-ADBBFAEE8EA3}"/>
+              </a:ext>
+            </a:extLst>
+          </p:cNvPr>
+          <p:cNvPicPr>
+            <a:picLocks noChangeAspect="1"/>
+          </p:cNvPicPr>
+          <p:nvPr/>
+        </p:nvPicPr>
+        <p:blipFill>
+          <a:blip r:embed="rId3"/>
+          <a:stretch>
+            <a:fillRect/>
+          </a:stretch>
+        </p:blipFill>
+        <p:spPr>
+          <a:xfrm>
+            <a:off x="7667625" y="1239480"/>
+            <a:ext cx="4311872" cy="1473276"/>
+          </a:xfrm>
+          <a:prstGeom prst="rect">
+            <a:avLst/>
+          </a:prstGeom>
+        </p:spPr>
+      </p:pic>
       <p:sp>
         <p:nvSpPr>
           <p:cNvPr id="11" name="Rectangle 10">
@@ -5484,7 +5401,7 @@
           <p:nvPr/>
         </p:nvPicPr>
         <p:blipFill>
-          <a:blip r:embed="rId3"/>
+          <a:blip r:embed="rId4"/>
           <a:stretch>
             <a:fillRect/>
           </a:stretch>
@@ -5499,36 +5416,6 @@
           </a:prstGeom>
         </p:spPr>
       </p:pic>
-      <p:pic>
-        <p:nvPicPr>
-          <p:cNvPr id="4" name="Picture 4" descr="A screen shot of a person&#10;&#10;Description generated with high confidence">
-            <a:extLst>
-              <a:ext uri="{FF2B5EF4-FFF2-40B4-BE49-F238E27FC236}">
-                <a16:creationId xmlns:a16="http://schemas.microsoft.com/office/drawing/2014/main" id="{CD98ED81-742F-4E60-B81A-A3EB50ABDF08}"/>
-              </a:ext>
-            </a:extLst>
-          </p:cNvPr>
-          <p:cNvPicPr>
-            <a:picLocks noChangeAspect="1"/>
-          </p:cNvPicPr>
-          <p:nvPr/>
-        </p:nvPicPr>
-        <p:blipFill>
-          <a:blip r:embed="rId4"/>
-          <a:stretch>
-            <a:fillRect/>
-          </a:stretch>
-        </p:blipFill>
-        <p:spPr>
-          <a:xfrm>
-            <a:off x="7829550" y="1190625"/>
-            <a:ext cx="4042409" cy="1445161"/>
-          </a:xfrm>
-          <a:prstGeom prst="rect">
-            <a:avLst/>
-          </a:prstGeom>
-        </p:spPr>
-      </p:pic>
       <p:sp>
         <p:nvSpPr>
           <p:cNvPr id="2" name="Title 1">
@@ -5643,8 +5530,8 @@
         </p:nvSpPr>
         <p:spPr>
           <a:xfrm>
-            <a:off x="7511185" y="730550"/>
-            <a:ext cx="4457700" cy="369332"/>
+            <a:off x="7493980" y="751888"/>
+            <a:ext cx="4698020" cy="369332"/>
           </a:xfrm>
           <a:prstGeom prst="rect">
             <a:avLst/>
@@ -5661,20 +5548,20 @@
           <a:p>
             <a:pPr algn="ctr"/>
             <a:r>
-              <a:rPr lang="en-US" b="1"/>
+              <a:rPr lang="en-US" b="1" dirty="0"/>
               <a:t>/</a:t>
             </a:r>
             <a:r>
-              <a:rPr lang="en-US" b="1" err="1">
+              <a:rPr lang="en-US" b="1" dirty="0" err="1">
                 <a:cs typeface="Calibri"/>
               </a:rPr>
-              <a:t>api</a:t>
-            </a:r>
-            <a:r>
-              <a:rPr lang="en-US" b="1">
+              <a:t>src</a:t>
+            </a:r>
+            <a:r>
+              <a:rPr lang="en-US" b="1" dirty="0">
                 <a:cs typeface="Calibri"/>
               </a:rPr>
-              <a:t>/contacts/index.js (contacts router)</a:t>
+              <a:t>/contacts/routes/index.js (contacts router)</a:t>
             </a:r>
           </a:p>
         </p:txBody>
@@ -6516,93 +6403,12 @@
           <a:chExt cx="0" cy="0"/>
         </a:xfrm>
       </p:grpSpPr>
-      <p:sp>
-        <p:nvSpPr>
-          <p:cNvPr id="2" name="Title 1">
+      <p:pic>
+        <p:nvPicPr>
+          <p:cNvPr id="9" name="Picture 8">
             <a:extLst>
               <a:ext uri="{FF2B5EF4-FFF2-40B4-BE49-F238E27FC236}">
-                <a16:creationId xmlns:a16="http://schemas.microsoft.com/office/drawing/2014/main" id="{0DFE0328-BB7D-45C4-A4A2-9FD58FD0AE6A}"/>
-              </a:ext>
-            </a:extLst>
-          </p:cNvPr>
-          <p:cNvSpPr>
-            <a:spLocks noGrp="1"/>
-          </p:cNvSpPr>
-          <p:nvPr>
-            <p:ph type="title"/>
-          </p:nvPr>
-        </p:nvSpPr>
-        <p:spPr/>
-        <p:txBody>
-          <a:bodyPr/>
-          <a:lstStyle/>
-          <a:p>
-            <a:r>
-              <a:rPr lang="en-GB" dirty="0"/>
-              <a:t>Express Routers – Parameters</a:t>
-            </a:r>
-            <a:endParaRPr lang="en-IE" dirty="0"/>
-          </a:p>
-        </p:txBody>
-      </p:sp>
-      <p:sp>
-        <p:nvSpPr>
-          <p:cNvPr id="3" name="Content Placeholder 2">
-            <a:extLst>
-              <a:ext uri="{FF2B5EF4-FFF2-40B4-BE49-F238E27FC236}">
-                <a16:creationId xmlns:a16="http://schemas.microsoft.com/office/drawing/2014/main" id="{527065E8-404C-471B-B49A-2D39150ACA82}"/>
-              </a:ext>
-            </a:extLst>
-          </p:cNvPr>
-          <p:cNvSpPr>
-            <a:spLocks noGrp="1"/>
-          </p:cNvSpPr>
-          <p:nvPr>
-            <p:ph idx="1"/>
-          </p:nvPr>
-        </p:nvSpPr>
-        <p:spPr>
-          <a:xfrm>
-            <a:off x="838200" y="1839912"/>
-            <a:ext cx="4679373" cy="4351338"/>
-          </a:xfrm>
-        </p:spPr>
-        <p:txBody>
-          <a:bodyPr/>
-          <a:lstStyle/>
-          <a:p>
-            <a:r>
-              <a:rPr lang="en-GB" dirty="0"/>
-              <a:t>Route parameters are named URL segments that capture the values specified at their position in the URL. </a:t>
-            </a:r>
-          </a:p>
-          <a:p>
-            <a:r>
-              <a:rPr lang="en-GB" dirty="0"/>
-              <a:t>The </a:t>
-            </a:r>
-            <a:r>
-              <a:rPr lang="en-GB" b="1" dirty="0" err="1"/>
-              <a:t>req.params</a:t>
-            </a:r>
-            <a:r>
-              <a:rPr lang="en-GB" b="1" dirty="0"/>
-              <a:t> </a:t>
-            </a:r>
-            <a:r>
-              <a:rPr lang="en-GB" dirty="0"/>
-              <a:t>object contains the parameter values, with the name of the route parameter specified in the path as their respective keys.</a:t>
-            </a:r>
-            <a:endParaRPr lang="en-IE" dirty="0"/>
-          </a:p>
-        </p:txBody>
-      </p:sp>
-      <p:pic>
-        <p:nvPicPr>
-          <p:cNvPr id="5" name="Picture 4">
-            <a:extLst>
-              <a:ext uri="{FF2B5EF4-FFF2-40B4-BE49-F238E27FC236}">
-                <a16:creationId xmlns:a16="http://schemas.microsoft.com/office/drawing/2014/main" id="{B471A29A-38C8-4AAA-9083-EEF973472B34}"/>
+                <a16:creationId xmlns:a16="http://schemas.microsoft.com/office/drawing/2014/main" id="{904C2DF2-FE4D-4972-A1E9-8E1870576F71}"/>
               </a:ext>
             </a:extLst>
           </p:cNvPr>
@@ -6619,14 +6425,95 @@
         </p:blipFill>
         <p:spPr>
           <a:xfrm>
-            <a:off x="5667632" y="3306958"/>
-            <a:ext cx="6426602" cy="1228089"/>
+            <a:off x="5350104" y="3269346"/>
+            <a:ext cx="6903888" cy="1176447"/>
           </a:xfrm>
           <a:prstGeom prst="rect">
             <a:avLst/>
           </a:prstGeom>
         </p:spPr>
       </p:pic>
+      <p:sp>
+        <p:nvSpPr>
+          <p:cNvPr id="2" name="Title 1">
+            <a:extLst>
+              <a:ext uri="{FF2B5EF4-FFF2-40B4-BE49-F238E27FC236}">
+                <a16:creationId xmlns:a16="http://schemas.microsoft.com/office/drawing/2014/main" id="{0DFE0328-BB7D-45C4-A4A2-9FD58FD0AE6A}"/>
+              </a:ext>
+            </a:extLst>
+          </p:cNvPr>
+          <p:cNvSpPr>
+            <a:spLocks noGrp="1"/>
+          </p:cNvSpPr>
+          <p:nvPr>
+            <p:ph type="title"/>
+          </p:nvPr>
+        </p:nvSpPr>
+        <p:spPr/>
+        <p:txBody>
+          <a:bodyPr/>
+          <a:lstStyle/>
+          <a:p>
+            <a:r>
+              <a:rPr lang="en-GB" dirty="0"/>
+              <a:t>Express Routers – Parameters</a:t>
+            </a:r>
+            <a:endParaRPr lang="en-IE" dirty="0"/>
+          </a:p>
+        </p:txBody>
+      </p:sp>
+      <p:sp>
+        <p:nvSpPr>
+          <p:cNvPr id="3" name="Content Placeholder 2">
+            <a:extLst>
+              <a:ext uri="{FF2B5EF4-FFF2-40B4-BE49-F238E27FC236}">
+                <a16:creationId xmlns:a16="http://schemas.microsoft.com/office/drawing/2014/main" id="{527065E8-404C-471B-B49A-2D39150ACA82}"/>
+              </a:ext>
+            </a:extLst>
+          </p:cNvPr>
+          <p:cNvSpPr>
+            <a:spLocks noGrp="1"/>
+          </p:cNvSpPr>
+          <p:nvPr>
+            <p:ph idx="1"/>
+          </p:nvPr>
+        </p:nvSpPr>
+        <p:spPr>
+          <a:xfrm>
+            <a:off x="838200" y="1839912"/>
+            <a:ext cx="4679373" cy="4351338"/>
+          </a:xfrm>
+        </p:spPr>
+        <p:txBody>
+          <a:bodyPr/>
+          <a:lstStyle/>
+          <a:p>
+            <a:r>
+              <a:rPr lang="en-GB" dirty="0"/>
+              <a:t>Route parameters are named URL segments that capture the values specified at their position in the URL. </a:t>
+            </a:r>
+          </a:p>
+          <a:p>
+            <a:r>
+              <a:rPr lang="en-GB" dirty="0"/>
+              <a:t>The </a:t>
+            </a:r>
+            <a:r>
+              <a:rPr lang="en-GB" b="1" dirty="0" err="1"/>
+              <a:t>req.params</a:t>
+            </a:r>
+            <a:r>
+              <a:rPr lang="en-GB" b="1" dirty="0"/>
+              <a:t> </a:t>
+            </a:r>
+            <a:r>
+              <a:rPr lang="en-GB" dirty="0"/>
+              <a:t>object contains the parameter values, with the name of the route parameter specified in the path as their respective keys.</a:t>
+            </a:r>
+            <a:endParaRPr lang="en-IE" dirty="0"/>
+          </a:p>
+        </p:txBody>
+      </p:sp>
       <p:pic>
         <p:nvPicPr>
           <p:cNvPr id="6" name="Picture 5">
@@ -6963,631 +6850,6 @@
       </p:grpSpPr>
       <p:sp>
         <p:nvSpPr>
-          <p:cNvPr id="341" name="CustomShape 1"/>
-          <p:cNvSpPr/>
-          <p:nvPr/>
-        </p:nvSpPr>
-        <p:spPr>
-          <a:xfrm>
-            <a:off x="457200" y="274680"/>
-            <a:ext cx="8227800" cy="1141200"/>
-          </a:xfrm>
-          <a:prstGeom prst="rect">
-            <a:avLst/>
-          </a:prstGeom>
-          <a:noFill/>
-          <a:ln>
-            <a:noFill/>
-          </a:ln>
-        </p:spPr>
-        <p:txBody>
-          <a:bodyPr lIns="90000" tIns="45000" rIns="90000" bIns="45000" anchor="ctr"/>
-          <a:lstStyle/>
-          <a:p>
-            <a:pPr algn="ctr">
-              <a:lnSpc>
-                <a:spcPct val="100000"/>
-              </a:lnSpc>
-            </a:pPr>
-            <a:r>
-              <a:rPr lang="en-IE" sz="4400">
-                <a:solidFill>
-                  <a:srgbClr val="000000"/>
-                </a:solidFill>
-                <a:latin typeface="Calibri"/>
-                <a:ea typeface="DejaVu Sans"/>
-              </a:rPr>
-              <a:t>Express Request Object</a:t>
-            </a:r>
-            <a:endParaRPr/>
-          </a:p>
-        </p:txBody>
-      </p:sp>
-      <p:sp>
-        <p:nvSpPr>
-          <p:cNvPr id="342" name="CustomShape 2"/>
-          <p:cNvSpPr/>
-          <p:nvPr/>
-        </p:nvSpPr>
-        <p:spPr>
-          <a:xfrm>
-            <a:off x="649706" y="1415880"/>
-            <a:ext cx="8227800" cy="4524120"/>
-          </a:xfrm>
-          <a:prstGeom prst="rect">
-            <a:avLst/>
-          </a:prstGeom>
-          <a:noFill/>
-          <a:ln>
-            <a:noFill/>
-          </a:ln>
-        </p:spPr>
-        <p:txBody>
-          <a:bodyPr lIns="90000" tIns="45000" rIns="90000" bIns="45000" anchor="t"/>
-          <a:lstStyle/>
-          <a:p>
-            <a:pPr algn="just">
-              <a:lnSpc>
-                <a:spcPct val="100000"/>
-              </a:lnSpc>
-              <a:buFont typeface="Arial"/>
-              <a:buChar char="•"/>
-            </a:pPr>
-            <a:r>
-              <a:rPr lang="en-IE" sz="2800" dirty="0">
-                <a:solidFill>
-                  <a:srgbClr val="000000"/>
-                </a:solidFill>
-                <a:latin typeface="Calibri"/>
-                <a:ea typeface="DejaVu Sans"/>
-              </a:rPr>
-              <a:t>The </a:t>
-            </a:r>
-            <a:r>
-              <a:rPr lang="en-IE" sz="2800" b="1" dirty="0" err="1">
-                <a:solidFill>
-                  <a:srgbClr val="000000"/>
-                </a:solidFill>
-                <a:latin typeface="Calibri"/>
-                <a:ea typeface="DejaVu Sans"/>
-              </a:rPr>
-              <a:t>req</a:t>
-            </a:r>
-            <a:r>
-              <a:rPr lang="en-IE" sz="2800" dirty="0">
-                <a:solidFill>
-                  <a:srgbClr val="000000"/>
-                </a:solidFill>
-                <a:latin typeface="Calibri"/>
-                <a:ea typeface="DejaVu Sans"/>
-              </a:rPr>
-              <a:t> object represents the HTTP request.</a:t>
-            </a:r>
-            <a:endParaRPr dirty="0"/>
-          </a:p>
-          <a:p>
-            <a:pPr lvl="1" algn="just">
-              <a:buSzPct val="45000"/>
-              <a:buFont typeface="StarSymbol"/>
-              <a:buChar char="l"/>
-            </a:pPr>
-            <a:r>
-              <a:rPr lang="en-IE" sz="2800" dirty="0">
-                <a:solidFill>
-                  <a:srgbClr val="000000"/>
-                </a:solidFill>
-                <a:latin typeface="Calibri"/>
-                <a:ea typeface="DejaVu Sans"/>
-              </a:rPr>
-              <a:t>by convention, the object is referred to as '</a:t>
-            </a:r>
-            <a:r>
-              <a:rPr lang="en-IE" sz="2800" b="1" dirty="0" err="1">
-                <a:solidFill>
-                  <a:srgbClr val="000000"/>
-                </a:solidFill>
-                <a:latin typeface="Calibri"/>
-                <a:ea typeface="DejaVu Sans"/>
-              </a:rPr>
-              <a:t>req</a:t>
-            </a:r>
-            <a:r>
-              <a:rPr lang="en-IE" sz="2800" b="1" dirty="0">
-                <a:solidFill>
-                  <a:srgbClr val="000000"/>
-                </a:solidFill>
-                <a:latin typeface="Calibri"/>
-                <a:ea typeface="DejaVu Sans"/>
-              </a:rPr>
-              <a:t>',</a:t>
-            </a:r>
-            <a:r>
-              <a:rPr lang="en-IE" sz="2800" dirty="0">
-                <a:solidFill>
-                  <a:srgbClr val="000000"/>
-                </a:solidFill>
-                <a:latin typeface="Calibri"/>
-                <a:ea typeface="DejaVu Sans"/>
-              </a:rPr>
-              <a:t> Response is </a:t>
-            </a:r>
-            <a:r>
-              <a:rPr lang="en-IE" sz="2800" b="1" dirty="0">
-                <a:solidFill>
-                  <a:srgbClr val="000000"/>
-                </a:solidFill>
-                <a:latin typeface="Calibri"/>
-                <a:ea typeface="DejaVu Sans"/>
-              </a:rPr>
-              <a:t>'res'</a:t>
-            </a:r>
-            <a:endParaRPr dirty="0"/>
-          </a:p>
-          <a:p>
-            <a:pPr>
-              <a:lnSpc>
-                <a:spcPct val="100000"/>
-              </a:lnSpc>
-              <a:buFont typeface="Arial"/>
-              <a:buChar char="•"/>
-            </a:pPr>
-            <a:r>
-              <a:rPr lang="en-IE" sz="2800" dirty="0">
-                <a:solidFill>
-                  <a:srgbClr val="000000"/>
-                </a:solidFill>
-                <a:latin typeface="Calibri"/>
-                <a:ea typeface="DejaVu Sans"/>
-              </a:rPr>
-              <a:t>Can use it to access the request query string, parameters, body, HTTP headers.</a:t>
-            </a:r>
-            <a:endParaRPr dirty="0"/>
-          </a:p>
-          <a:p>
-            <a:pPr>
-              <a:lnSpc>
-                <a:spcPct val="100000"/>
-              </a:lnSpc>
-              <a:buFont typeface="Arial"/>
-              <a:buChar char="•"/>
-            </a:pPr>
-            <a:r>
-              <a:rPr lang="en-IE" sz="2800" dirty="0">
-                <a:solidFill>
-                  <a:srgbClr val="000000"/>
-                </a:solidFill>
-                <a:latin typeface="Calibri"/>
-                <a:ea typeface="DejaVu Sans"/>
-              </a:rPr>
-              <a:t>Example:</a:t>
-            </a:r>
-            <a:endParaRPr dirty="0"/>
-          </a:p>
-          <a:p>
-            <a:pPr>
-              <a:lnSpc>
-                <a:spcPct val="100000"/>
-              </a:lnSpc>
-            </a:pPr>
-            <a:endParaRPr dirty="0"/>
-          </a:p>
-        </p:txBody>
-      </p:sp>
-      <p:pic>
-        <p:nvPicPr>
-          <p:cNvPr id="2" name="Picture 1"/>
-          <p:cNvPicPr>
-            <a:picLocks noChangeAspect="1"/>
-          </p:cNvPicPr>
-          <p:nvPr/>
-        </p:nvPicPr>
-        <p:blipFill>
-          <a:blip r:embed="rId3"/>
-          <a:stretch>
-            <a:fillRect/>
-          </a:stretch>
-        </p:blipFill>
-        <p:spPr>
-          <a:xfrm>
-            <a:off x="931546" y="4672012"/>
-            <a:ext cx="5053863" cy="1018924"/>
-          </a:xfrm>
-          <a:prstGeom prst="rect">
-            <a:avLst/>
-          </a:prstGeom>
-        </p:spPr>
-      </p:pic>
-      <p:sp>
-        <p:nvSpPr>
-          <p:cNvPr id="3" name="Speech Bubble: Rectangle with Corners Rounded 2"/>
-          <p:cNvSpPr/>
-          <p:nvPr/>
-        </p:nvSpPr>
-        <p:spPr>
-          <a:xfrm>
-            <a:off x="5268932" y="3552951"/>
-            <a:ext cx="3068952" cy="869997"/>
-          </a:xfrm>
-          <a:prstGeom prst="wedgeRoundRectCallout">
-            <a:avLst>
-              <a:gd name="adj1" fmla="val -100943"/>
-              <a:gd name="adj2" fmla="val 97685"/>
-              <a:gd name="adj3" fmla="val 16667"/>
-            </a:avLst>
-          </a:prstGeom>
-        </p:spPr>
-        <p:style>
-          <a:lnRef idx="2">
-            <a:schemeClr val="accent1">
-              <a:shade val="50000"/>
-            </a:schemeClr>
-          </a:lnRef>
-          <a:fillRef idx="1">
-            <a:schemeClr val="accent1"/>
-          </a:fillRef>
-          <a:effectRef idx="0">
-            <a:schemeClr val="accent1"/>
-          </a:effectRef>
-          <a:fontRef idx="minor">
-            <a:schemeClr val="lt1"/>
-          </a:fontRef>
-        </p:style>
-        <p:txBody>
-          <a:bodyPr rtlCol="0" anchor="ctr"/>
-          <a:lstStyle/>
-          <a:p>
-            <a:pPr algn="ctr"/>
-            <a:r>
-              <a:rPr lang="en-IE" dirty="0"/>
-              <a:t>Parameterised URL. Access using req.params.id</a:t>
-            </a:r>
-          </a:p>
-        </p:txBody>
-      </p:sp>
-    </p:spTree>
-    <p:extLst>
-      <p:ext uri="{BB962C8B-B14F-4D97-AF65-F5344CB8AC3E}">
-        <p14:creationId xmlns:p14="http://schemas.microsoft.com/office/powerpoint/2010/main" val="1734064726"/>
-      </p:ext>
-    </p:extLst>
-  </p:cSld>
-  <p:clrMapOvr>
-    <a:masterClrMapping/>
-  </p:clrMapOvr>
-  <p:timing>
-    <p:tnLst>
-      <p:par>
-        <p:cTn id="1" dur="indefinite" restart="never" nodeType="tmRoot">
-          <p:childTnLst>
-            <p:seq>
-              <p:cTn id="2" dur="indefinite" nodeType="mainSeq">
-                <p:childTnLst>
-                  <p:par>
-                    <p:cTn id="3" fill="hold">
-                      <p:stCondLst>
-                        <p:cond delay="indefinite"/>
-                      </p:stCondLst>
-                      <p:childTnLst>
-                        <p:par>
-                          <p:cTn id="4" fill="hold">
-                            <p:stCondLst>
-                              <p:cond delay="0"/>
-                            </p:stCondLst>
-                            <p:childTnLst>
-                              <p:par>
-                                <p:cTn id="5" presetID="10" presetClass="entr" presetSubtype="0" fill="hold" nodeType="clickEffect">
-                                  <p:stCondLst>
-                                    <p:cond delay="0"/>
-                                  </p:stCondLst>
-                                  <p:childTnLst>
-                                    <p:set>
-                                      <p:cBhvr>
-                                        <p:cTn id="6" dur="1" fill="hold">
-                                          <p:stCondLst>
-                                            <p:cond delay="0"/>
-                                          </p:stCondLst>
-                                        </p:cTn>
-                                        <p:tgtEl>
-                                          <p:spTgt spid="342">
-                                            <p:txEl>
-                                              <p:pRg st="0" end="0"/>
-                                            </p:txEl>
-                                          </p:spTgt>
-                                        </p:tgtEl>
-                                        <p:attrNameLst>
-                                          <p:attrName>style.visibility</p:attrName>
-                                        </p:attrNameLst>
-                                      </p:cBhvr>
-                                      <p:to>
-                                        <p:strVal val="visible"/>
-                                      </p:to>
-                                    </p:set>
-                                    <p:animEffect transition="in" filter="fade">
-                                      <p:cBhvr>
-                                        <p:cTn id="7" dur="500"/>
-                                        <p:tgtEl>
-                                          <p:spTgt spid="342">
-                                            <p:txEl>
-                                              <p:pRg st="0" end="0"/>
-                                            </p:txEl>
-                                          </p:spTgt>
-                                        </p:tgtEl>
-                                      </p:cBhvr>
-                                    </p:animEffect>
-                                  </p:childTnLst>
-                                </p:cTn>
-                              </p:par>
-                              <p:par>
-                                <p:cTn id="8" presetID="10" presetClass="entr" presetSubtype="0" fill="hold" nodeType="withEffect">
-                                  <p:stCondLst>
-                                    <p:cond delay="0"/>
-                                  </p:stCondLst>
-                                  <p:childTnLst>
-                                    <p:set>
-                                      <p:cBhvr>
-                                        <p:cTn id="9" dur="1" fill="hold">
-                                          <p:stCondLst>
-                                            <p:cond delay="0"/>
-                                          </p:stCondLst>
-                                        </p:cTn>
-                                        <p:tgtEl>
-                                          <p:spTgt spid="342">
-                                            <p:txEl>
-                                              <p:pRg st="1" end="1"/>
-                                            </p:txEl>
-                                          </p:spTgt>
-                                        </p:tgtEl>
-                                        <p:attrNameLst>
-                                          <p:attrName>style.visibility</p:attrName>
-                                        </p:attrNameLst>
-                                      </p:cBhvr>
-                                      <p:to>
-                                        <p:strVal val="visible"/>
-                                      </p:to>
-                                    </p:set>
-                                    <p:animEffect transition="in" filter="fade">
-                                      <p:cBhvr>
-                                        <p:cTn id="10" dur="500"/>
-                                        <p:tgtEl>
-                                          <p:spTgt spid="342">
-                                            <p:txEl>
-                                              <p:pRg st="1" end="1"/>
-                                            </p:txEl>
-                                          </p:spTgt>
-                                        </p:tgtEl>
-                                      </p:cBhvr>
-                                    </p:animEffect>
-                                  </p:childTnLst>
-                                </p:cTn>
-                              </p:par>
-                            </p:childTnLst>
-                          </p:cTn>
-                        </p:par>
-                      </p:childTnLst>
-                    </p:cTn>
-                  </p:par>
-                  <p:par>
-                    <p:cTn id="11" fill="hold">
-                      <p:stCondLst>
-                        <p:cond delay="indefinite"/>
-                      </p:stCondLst>
-                      <p:childTnLst>
-                        <p:par>
-                          <p:cTn id="12" fill="hold">
-                            <p:stCondLst>
-                              <p:cond delay="0"/>
-                            </p:stCondLst>
-                            <p:childTnLst>
-                              <p:par>
-                                <p:cTn id="13" presetID="10" presetClass="entr" presetSubtype="0" fill="hold" nodeType="clickEffect">
-                                  <p:stCondLst>
-                                    <p:cond delay="0"/>
-                                  </p:stCondLst>
-                                  <p:childTnLst>
-                                    <p:set>
-                                      <p:cBhvr>
-                                        <p:cTn id="14" dur="1" fill="hold">
-                                          <p:stCondLst>
-                                            <p:cond delay="0"/>
-                                          </p:stCondLst>
-                                        </p:cTn>
-                                        <p:tgtEl>
-                                          <p:spTgt spid="342">
-                                            <p:txEl>
-                                              <p:pRg st="2" end="2"/>
-                                            </p:txEl>
-                                          </p:spTgt>
-                                        </p:tgtEl>
-                                        <p:attrNameLst>
-                                          <p:attrName>style.visibility</p:attrName>
-                                        </p:attrNameLst>
-                                      </p:cBhvr>
-                                      <p:to>
-                                        <p:strVal val="visible"/>
-                                      </p:to>
-                                    </p:set>
-                                    <p:animEffect transition="in" filter="fade">
-                                      <p:cBhvr>
-                                        <p:cTn id="15" dur="500"/>
-                                        <p:tgtEl>
-                                          <p:spTgt spid="342">
-                                            <p:txEl>
-                                              <p:pRg st="2" end="2"/>
-                                            </p:txEl>
-                                          </p:spTgt>
-                                        </p:tgtEl>
-                                      </p:cBhvr>
-                                    </p:animEffect>
-                                  </p:childTnLst>
-                                </p:cTn>
-                              </p:par>
-                            </p:childTnLst>
-                          </p:cTn>
-                        </p:par>
-                      </p:childTnLst>
-                    </p:cTn>
-                  </p:par>
-                  <p:par>
-                    <p:cTn id="16" fill="hold">
-                      <p:stCondLst>
-                        <p:cond delay="indefinite"/>
-                      </p:stCondLst>
-                      <p:childTnLst>
-                        <p:par>
-                          <p:cTn id="17" fill="hold">
-                            <p:stCondLst>
-                              <p:cond delay="0"/>
-                            </p:stCondLst>
-                            <p:childTnLst>
-                              <p:par>
-                                <p:cTn id="18" presetID="10" presetClass="entr" presetSubtype="0" fill="hold" nodeType="clickEffect">
-                                  <p:stCondLst>
-                                    <p:cond delay="0"/>
-                                  </p:stCondLst>
-                                  <p:childTnLst>
-                                    <p:set>
-                                      <p:cBhvr>
-                                        <p:cTn id="19" dur="1" fill="hold">
-                                          <p:stCondLst>
-                                            <p:cond delay="0"/>
-                                          </p:stCondLst>
-                                        </p:cTn>
-                                        <p:tgtEl>
-                                          <p:spTgt spid="342">
-                                            <p:txEl>
-                                              <p:pRg st="3" end="3"/>
-                                            </p:txEl>
-                                          </p:spTgt>
-                                        </p:tgtEl>
-                                        <p:attrNameLst>
-                                          <p:attrName>style.visibility</p:attrName>
-                                        </p:attrNameLst>
-                                      </p:cBhvr>
-                                      <p:to>
-                                        <p:strVal val="visible"/>
-                                      </p:to>
-                                    </p:set>
-                                    <p:animEffect transition="in" filter="fade">
-                                      <p:cBhvr>
-                                        <p:cTn id="20" dur="500"/>
-                                        <p:tgtEl>
-                                          <p:spTgt spid="342">
-                                            <p:txEl>
-                                              <p:pRg st="3" end="3"/>
-                                            </p:txEl>
-                                          </p:spTgt>
-                                        </p:tgtEl>
-                                      </p:cBhvr>
-                                    </p:animEffect>
-                                  </p:childTnLst>
-                                </p:cTn>
-                              </p:par>
-                            </p:childTnLst>
-                          </p:cTn>
-                        </p:par>
-                      </p:childTnLst>
-                    </p:cTn>
-                  </p:par>
-                  <p:par>
-                    <p:cTn id="21" fill="hold">
-                      <p:stCondLst>
-                        <p:cond delay="indefinite"/>
-                      </p:stCondLst>
-                      <p:childTnLst>
-                        <p:par>
-                          <p:cTn id="22" fill="hold">
-                            <p:stCondLst>
-                              <p:cond delay="0"/>
-                            </p:stCondLst>
-                            <p:childTnLst>
-                              <p:par>
-                                <p:cTn id="23" presetID="10" presetClass="entr" presetSubtype="0" fill="hold" grpId="0" nodeType="clickEffect">
-                                  <p:stCondLst>
-                                    <p:cond delay="0"/>
-                                  </p:stCondLst>
-                                  <p:childTnLst>
-                                    <p:set>
-                                      <p:cBhvr>
-                                        <p:cTn id="24" dur="1" fill="hold">
-                                          <p:stCondLst>
-                                            <p:cond delay="0"/>
-                                          </p:stCondLst>
-                                        </p:cTn>
-                                        <p:tgtEl>
-                                          <p:spTgt spid="3"/>
-                                        </p:tgtEl>
-                                        <p:attrNameLst>
-                                          <p:attrName>style.visibility</p:attrName>
-                                        </p:attrNameLst>
-                                      </p:cBhvr>
-                                      <p:to>
-                                        <p:strVal val="visible"/>
-                                      </p:to>
-                                    </p:set>
-                                    <p:animEffect transition="in" filter="fade">
-                                      <p:cBhvr>
-                                        <p:cTn id="25" dur="500"/>
-                                        <p:tgtEl>
-                                          <p:spTgt spid="3"/>
-                                        </p:tgtEl>
-                                      </p:cBhvr>
-                                    </p:animEffect>
-                                  </p:childTnLst>
-                                </p:cTn>
-                              </p:par>
-                            </p:childTnLst>
-                          </p:cTn>
-                        </p:par>
-                      </p:childTnLst>
-                    </p:cTn>
-                  </p:par>
-                </p:childTnLst>
-              </p:cTn>
-              <p:prevCondLst>
-                <p:cond evt="onPrev" delay="0">
-                  <p:tgtEl>
-                    <p:sldTgt/>
-                  </p:tgtEl>
-                </p:cond>
-              </p:prevCondLst>
-              <p:nextCondLst>
-                <p:cond evt="onNext" delay="0">
-                  <p:tgtEl>
-                    <p:sldTgt/>
-                  </p:tgtEl>
-                </p:cond>
-              </p:nextCondLst>
-            </p:seq>
-          </p:childTnLst>
-        </p:cTn>
-      </p:par>
-    </p:tnLst>
-    <p:bldLst>
-      <p:bldP spid="3" grpId="0" animBg="1"/>
-    </p:bldLst>
-  </p:timing>
-</p:sld>
-</file>
-
-<file path=ppt/slides/slide15.xml><?xml version="1.0" encoding="utf-8"?>
-<p:sld xmlns:a="http://schemas.openxmlformats.org/drawingml/2006/main" xmlns:r="http://schemas.openxmlformats.org/officeDocument/2006/relationships" xmlns:p="http://schemas.openxmlformats.org/presentationml/2006/main">
-  <p:cSld>
-    <p:spTree>
-      <p:nvGrpSpPr>
-        <p:cNvPr id="1" name=""/>
-        <p:cNvGrpSpPr/>
-        <p:nvPr/>
-      </p:nvGrpSpPr>
-      <p:grpSpPr>
-        <a:xfrm>
-          <a:off x="0" y="0"/>
-          <a:ext cx="0" cy="0"/>
-          <a:chOff x="0" y="0"/>
-          <a:chExt cx="0" cy="0"/>
-        </a:xfrm>
-      </p:grpSpPr>
-      <p:sp>
-        <p:nvSpPr>
           <p:cNvPr id="14" name="Rectangle 13">
             <a:extLst>
               <a:ext uri="{FF2B5EF4-FFF2-40B4-BE49-F238E27FC236}">
@@ -7600,7 +6862,7 @@
         </p:nvSpPr>
         <p:spPr>
           <a:xfrm>
-            <a:off x="53340" y="2887980"/>
+            <a:off x="224678" y="3038981"/>
             <a:ext cx="5349240" cy="3696420"/>
           </a:xfrm>
           <a:prstGeom prst="rect">
@@ -7786,38 +7048,8 @@
         </p:blipFill>
         <p:spPr>
           <a:xfrm>
-            <a:off x="520903" y="3629891"/>
+            <a:off x="670532" y="3347578"/>
             <a:ext cx="3114675" cy="441094"/>
-          </a:xfrm>
-          <a:prstGeom prst="rect">
-            <a:avLst/>
-          </a:prstGeom>
-        </p:spPr>
-      </p:pic>
-      <p:pic>
-        <p:nvPicPr>
-          <p:cNvPr id="5" name="Picture 4">
-            <a:extLst>
-              <a:ext uri="{FF2B5EF4-FFF2-40B4-BE49-F238E27FC236}">
-                <a16:creationId xmlns:a16="http://schemas.microsoft.com/office/drawing/2014/main" id="{172C2EFD-DD5D-4ECF-9F1C-F0F1CAADD829}"/>
-              </a:ext>
-            </a:extLst>
-          </p:cNvPr>
-          <p:cNvPicPr>
-            <a:picLocks noChangeAspect="1"/>
-          </p:cNvPicPr>
-          <p:nvPr/>
-        </p:nvPicPr>
-        <p:blipFill>
-          <a:blip r:embed="rId3"/>
-          <a:stretch>
-            <a:fillRect/>
-          </a:stretch>
-        </p:blipFill>
-        <p:spPr>
-          <a:xfrm>
-            <a:off x="532320" y="4713672"/>
-            <a:ext cx="3990975" cy="1219200"/>
           </a:xfrm>
           <a:prstGeom prst="rect">
             <a:avLst/>
@@ -7838,8 +7070,8 @@
         </p:nvSpPr>
         <p:spPr>
           <a:xfrm>
-            <a:off x="490978" y="4344340"/>
-            <a:ext cx="4816640" cy="369332"/>
+            <a:off x="490978" y="5217429"/>
+            <a:ext cx="4631268" cy="369332"/>
           </a:xfrm>
           <a:prstGeom prst="rect">
             <a:avLst/>
@@ -7854,15 +7086,7 @@
           <a:p>
             <a:r>
               <a:rPr lang="en-GB" dirty="0"/>
-              <a:t>/</a:t>
-            </a:r>
-            <a:r>
-              <a:rPr lang="en-GB" dirty="0" err="1"/>
-              <a:t>api</a:t>
-            </a:r>
-            <a:r>
-              <a:rPr lang="en-GB" dirty="0"/>
-              <a:t>/contacts/index.js code snip (</a:t>
+              <a:t>/controllers/index.js code snip (</a:t>
             </a:r>
             <a:r>
               <a:rPr lang="en-GB" dirty="0" err="1"/>
@@ -7912,47 +7136,6 @@
           </a:p>
         </p:txBody>
       </p:sp>
-      <p:cxnSp>
-        <p:nvCxnSpPr>
-          <p:cNvPr id="8" name="Straight Arrow Connector 7">
-            <a:extLst>
-              <a:ext uri="{FF2B5EF4-FFF2-40B4-BE49-F238E27FC236}">
-                <a16:creationId xmlns:a16="http://schemas.microsoft.com/office/drawing/2014/main" id="{917E7CFA-72F7-4455-9637-BE5327BF7718}"/>
-              </a:ext>
-            </a:extLst>
-          </p:cNvPr>
-          <p:cNvCxnSpPr>
-            <a:cxnSpLocks/>
-          </p:cNvCxnSpPr>
-          <p:nvPr/>
-        </p:nvCxnSpPr>
-        <p:spPr>
-          <a:xfrm flipH="1">
-            <a:off x="2667000" y="3893821"/>
-            <a:ext cx="853440" cy="899159"/>
-          </a:xfrm>
-          <a:prstGeom prst="straightConnector1">
-            <a:avLst/>
-          </a:prstGeom>
-          <a:ln>
-            <a:tailEnd type="triangle"/>
-          </a:ln>
-        </p:spPr>
-        <p:style>
-          <a:lnRef idx="3">
-            <a:schemeClr val="accent2"/>
-          </a:lnRef>
-          <a:fillRef idx="0">
-            <a:schemeClr val="accent2"/>
-          </a:fillRef>
-          <a:effectRef idx="2">
-            <a:schemeClr val="accent2"/>
-          </a:effectRef>
-          <a:fontRef idx="minor">
-            <a:schemeClr val="tx1"/>
-          </a:fontRef>
-        </p:style>
-      </p:cxnSp>
       <p:pic>
         <p:nvPicPr>
           <p:cNvPr id="11" name="Picture 10">
@@ -7968,7 +7151,7 @@
           <p:nvPr/>
         </p:nvPicPr>
         <p:blipFill>
-          <a:blip r:embed="rId4"/>
+          <a:blip r:embed="rId3"/>
           <a:stretch>
             <a:fillRect/>
           </a:stretch>
@@ -8033,6 +7216,184 @@
           </a:p>
         </p:txBody>
       </p:sp>
+      <p:pic>
+        <p:nvPicPr>
+          <p:cNvPr id="7" name="Picture 6">
+            <a:extLst>
+              <a:ext uri="{FF2B5EF4-FFF2-40B4-BE49-F238E27FC236}">
+                <a16:creationId xmlns:a16="http://schemas.microsoft.com/office/drawing/2014/main" id="{3D8DB4D2-DB5E-4D69-8090-D360ED044989}"/>
+              </a:ext>
+            </a:extLst>
+          </p:cNvPr>
+          <p:cNvPicPr>
+            <a:picLocks noChangeAspect="1"/>
+          </p:cNvPicPr>
+          <p:nvPr/>
+        </p:nvPicPr>
+        <p:blipFill>
+          <a:blip r:embed="rId4"/>
+          <a:stretch>
+            <a:fillRect/>
+          </a:stretch>
+        </p:blipFill>
+        <p:spPr>
+          <a:xfrm>
+            <a:off x="580705" y="4106333"/>
+            <a:ext cx="3660371" cy="1146916"/>
+          </a:xfrm>
+          <a:prstGeom prst="rect">
+            <a:avLst/>
+          </a:prstGeom>
+        </p:spPr>
+      </p:pic>
+      <p:cxnSp>
+        <p:nvCxnSpPr>
+          <p:cNvPr id="8" name="Straight Arrow Connector 7">
+            <a:extLst>
+              <a:ext uri="{FF2B5EF4-FFF2-40B4-BE49-F238E27FC236}">
+                <a16:creationId xmlns:a16="http://schemas.microsoft.com/office/drawing/2014/main" id="{917E7CFA-72F7-4455-9637-BE5327BF7718}"/>
+              </a:ext>
+            </a:extLst>
+          </p:cNvPr>
+          <p:cNvCxnSpPr>
+            <a:cxnSpLocks/>
+          </p:cNvCxnSpPr>
+          <p:nvPr/>
+        </p:nvCxnSpPr>
+        <p:spPr>
+          <a:xfrm flipH="1">
+            <a:off x="2993816" y="3664939"/>
+            <a:ext cx="554029" cy="521708"/>
+          </a:xfrm>
+          <a:prstGeom prst="straightConnector1">
+            <a:avLst/>
+          </a:prstGeom>
+          <a:ln>
+            <a:tailEnd type="triangle"/>
+          </a:ln>
+        </p:spPr>
+        <p:style>
+          <a:lnRef idx="3">
+            <a:schemeClr val="accent2"/>
+          </a:lnRef>
+          <a:fillRef idx="0">
+            <a:schemeClr val="accent2"/>
+          </a:fillRef>
+          <a:effectRef idx="2">
+            <a:schemeClr val="accent2"/>
+          </a:effectRef>
+          <a:fontRef idx="minor">
+            <a:schemeClr val="tx1"/>
+          </a:fontRef>
+        </p:style>
+      </p:cxnSp>
+      <p:sp>
+        <p:nvSpPr>
+          <p:cNvPr id="15" name="TextBox 14">
+            <a:extLst>
+              <a:ext uri="{FF2B5EF4-FFF2-40B4-BE49-F238E27FC236}">
+                <a16:creationId xmlns:a16="http://schemas.microsoft.com/office/drawing/2014/main" id="{F3984899-C30B-4706-8B05-88F26B61A3B4}"/>
+              </a:ext>
+            </a:extLst>
+          </p:cNvPr>
+          <p:cNvSpPr txBox="1"/>
+          <p:nvPr/>
+        </p:nvSpPr>
+        <p:spPr>
+          <a:xfrm>
+            <a:off x="711045" y="3747837"/>
+            <a:ext cx="3871701" cy="369332"/>
+          </a:xfrm>
+          <a:prstGeom prst="rect">
+            <a:avLst/>
+          </a:prstGeom>
+          <a:noFill/>
+        </p:spPr>
+        <p:txBody>
+          <a:bodyPr wrap="none" rtlCol="0">
+            <a:spAutoFit/>
+          </a:bodyPr>
+          <a:lstStyle/>
+          <a:p>
+            <a:r>
+              <a:rPr lang="en-GB" dirty="0"/>
+              <a:t>routes/index.js code snip (express app)</a:t>
+            </a:r>
+            <a:endParaRPr lang="en-IE" dirty="0"/>
+          </a:p>
+        </p:txBody>
+      </p:sp>
+      <p:pic>
+        <p:nvPicPr>
+          <p:cNvPr id="12" name="Picture 11">
+            <a:extLst>
+              <a:ext uri="{FF2B5EF4-FFF2-40B4-BE49-F238E27FC236}">
+                <a16:creationId xmlns:a16="http://schemas.microsoft.com/office/drawing/2014/main" id="{7A18BDAB-9036-4BA1-94B2-33C9FFC8DB93}"/>
+              </a:ext>
+            </a:extLst>
+          </p:cNvPr>
+          <p:cNvPicPr>
+            <a:picLocks noChangeAspect="1"/>
+          </p:cNvPicPr>
+          <p:nvPr/>
+        </p:nvPicPr>
+        <p:blipFill>
+          <a:blip r:embed="rId5"/>
+          <a:stretch>
+            <a:fillRect/>
+          </a:stretch>
+        </p:blipFill>
+        <p:spPr>
+          <a:xfrm>
+            <a:off x="446709" y="5632931"/>
+            <a:ext cx="3845950" cy="889789"/>
+          </a:xfrm>
+          <a:prstGeom prst="rect">
+            <a:avLst/>
+          </a:prstGeom>
+        </p:spPr>
+      </p:pic>
+      <p:cxnSp>
+        <p:nvCxnSpPr>
+          <p:cNvPr id="18" name="Straight Arrow Connector 17">
+            <a:extLst>
+              <a:ext uri="{FF2B5EF4-FFF2-40B4-BE49-F238E27FC236}">
+                <a16:creationId xmlns:a16="http://schemas.microsoft.com/office/drawing/2014/main" id="{5F5076CC-69BC-4F87-9333-7C18210C6024}"/>
+              </a:ext>
+            </a:extLst>
+          </p:cNvPr>
+          <p:cNvCxnSpPr>
+            <a:cxnSpLocks/>
+          </p:cNvCxnSpPr>
+          <p:nvPr/>
+        </p:nvCxnSpPr>
+        <p:spPr>
+          <a:xfrm flipH="1">
+            <a:off x="2864567" y="5188444"/>
+            <a:ext cx="554029" cy="521708"/>
+          </a:xfrm>
+          <a:prstGeom prst="straightConnector1">
+            <a:avLst/>
+          </a:prstGeom>
+          <a:ln>
+            <a:tailEnd type="triangle"/>
+          </a:ln>
+        </p:spPr>
+        <p:style>
+          <a:lnRef idx="3">
+            <a:schemeClr val="accent2"/>
+          </a:lnRef>
+          <a:fillRef idx="0">
+            <a:schemeClr val="accent2"/>
+          </a:fillRef>
+          <a:effectRef idx="2">
+            <a:schemeClr val="accent2"/>
+          </a:effectRef>
+          <a:fontRef idx="minor">
+            <a:schemeClr val="tx1"/>
+          </a:fontRef>
+        </p:style>
+      </p:cxnSp>
     </p:spTree>
     <p:extLst>
       <p:ext uri="{BB962C8B-B14F-4D97-AF65-F5344CB8AC3E}">
@@ -8326,7 +7687,7 @@
                                 </p:cTn>
                               </p:par>
                               <p:par>
-                                <p:cTn id="27" presetID="10" presetClass="entr" presetSubtype="0" fill="hold" nodeType="withEffect">
+                                <p:cTn id="27" presetID="10" presetClass="entr" presetSubtype="0" fill="hold" grpId="0" nodeType="withEffect">
                                   <p:stCondLst>
                                     <p:cond delay="0"/>
                                   </p:stCondLst>
@@ -8334,41 +7695,6 @@
                                     <p:set>
                                       <p:cBhvr>
                                         <p:cTn id="28" dur="1" fill="hold">
-                                          <p:stCondLst>
-                                            <p:cond delay="0"/>
-                                          </p:stCondLst>
-                                        </p:cTn>
-                                        <p:tgtEl>
-                                          <p:spTgt spid="5"/>
-                                        </p:tgtEl>
-                                        <p:attrNameLst>
-                                          <p:attrName>style.visibility</p:attrName>
-                                        </p:attrNameLst>
-                                      </p:cBhvr>
-                                      <p:to>
-                                        <p:strVal val="visible"/>
-                                      </p:to>
-                                    </p:set>
-                                    <p:animEffect transition="in" filter="fade">
-                                      <p:cBhvr>
-                                        <p:cTn id="29" dur="500"/>
-                                        <p:tgtEl>
-                                          <p:spTgt spid="5"/>
-                                        </p:tgtEl>
-                                      </p:cBhvr>
-                                    </p:animEffect>
-                                  </p:childTnLst>
-                                </p:cTn>
-                              </p:par>
-                              <p:par>
-                                <p:cTn id="30" presetID="10" presetClass="entr" presetSubtype="0" fill="hold" grpId="0" nodeType="withEffect">
-                                  <p:stCondLst>
-                                    <p:cond delay="0"/>
-                                  </p:stCondLst>
-                                  <p:childTnLst>
-                                    <p:set>
-                                      <p:cBhvr>
-                                        <p:cTn id="31" dur="1" fill="hold">
                                           <p:stCondLst>
                                             <p:cond delay="0"/>
                                           </p:stCondLst>
@@ -8386,7 +7712,7 @@
                                     </p:set>
                                     <p:animEffect transition="in" filter="fade">
                                       <p:cBhvr>
-                                        <p:cTn id="32" dur="500"/>
+                                        <p:cTn id="29" dur="500"/>
                                         <p:tgtEl>
                                           <p:spTgt spid="14"/>
                                         </p:tgtEl>
@@ -8402,26 +7728,26 @@
                     </p:cTn>
                   </p:par>
                   <p:par>
-                    <p:cTn id="33" fill="hold">
+                    <p:cTn id="30" fill="hold">
                       <p:stCondLst>
                         <p:cond delay="indefinite"/>
                       </p:stCondLst>
                       <p:childTnLst>
                         <p:par>
-                          <p:cTn id="34" fill="hold">
+                          <p:cTn id="31" fill="hold">
                             <p:stCondLst>
                               <p:cond delay="0"/>
                             </p:stCondLst>
                             <p:childTnLst>
                               <p:par>
-                                <p:cTn id="35" presetID="10" presetClass="entr" presetSubtype="0" fill="hold" grpId="0" nodeType="clickEffect">
+                                <p:cTn id="32" presetID="10" presetClass="entr" presetSubtype="0" fill="hold" grpId="0" nodeType="clickEffect">
                                   <p:stCondLst>
                                     <p:cond delay="0"/>
                                   </p:stCondLst>
                                   <p:childTnLst>
                                     <p:set>
                                       <p:cBhvr>
-                                        <p:cTn id="36" dur="1" fill="hold">
+                                        <p:cTn id="33" dur="1" fill="hold">
                                           <p:stCondLst>
                                             <p:cond delay="0"/>
                                           </p:stCondLst>
@@ -8439,7 +7765,7 @@
                                     </p:set>
                                     <p:animEffect transition="in" filter="fade">
                                       <p:cBhvr>
-                                        <p:cTn id="37" dur="500"/>
+                                        <p:cTn id="34" dur="500"/>
                                         <p:tgtEl>
                                           <p:spTgt spid="13"/>
                                         </p:tgtEl>
@@ -8449,14 +7775,14 @@
                                 </p:cTn>
                               </p:par>
                               <p:par>
-                                <p:cTn id="38" presetID="10" presetClass="entr" presetSubtype="0" fill="hold" nodeType="withEffect">
+                                <p:cTn id="35" presetID="10" presetClass="entr" presetSubtype="0" fill="hold" nodeType="withEffect">
                                   <p:stCondLst>
                                     <p:cond delay="0"/>
                                   </p:stCondLst>
                                   <p:childTnLst>
                                     <p:set>
                                       <p:cBhvr>
-                                        <p:cTn id="39" dur="1" fill="hold">
+                                        <p:cTn id="36" dur="1" fill="hold">
                                           <p:stCondLst>
                                             <p:cond delay="0"/>
                                           </p:stCondLst>
@@ -8474,9 +7800,97 @@
                                     </p:set>
                                     <p:animEffect transition="in" filter="fade">
                                       <p:cBhvr>
-                                        <p:cTn id="40" dur="500"/>
+                                        <p:cTn id="37" dur="500"/>
                                         <p:tgtEl>
                                           <p:spTgt spid="11"/>
+                                        </p:tgtEl>
+                                      </p:cBhvr>
+                                    </p:animEffect>
+                                  </p:childTnLst>
+                                </p:cTn>
+                              </p:par>
+                            </p:childTnLst>
+                          </p:cTn>
+                        </p:par>
+                      </p:childTnLst>
+                    </p:cTn>
+                  </p:par>
+                  <p:par>
+                    <p:cTn id="38" fill="hold">
+                      <p:stCondLst>
+                        <p:cond delay="indefinite"/>
+                      </p:stCondLst>
+                      <p:childTnLst>
+                        <p:par>
+                          <p:cTn id="39" fill="hold">
+                            <p:stCondLst>
+                              <p:cond delay="0"/>
+                            </p:stCondLst>
+                            <p:childTnLst>
+                              <p:par>
+                                <p:cTn id="40" presetID="10" presetClass="entr" presetSubtype="0" fill="hold" grpId="0" nodeType="clickEffect">
+                                  <p:stCondLst>
+                                    <p:cond delay="0"/>
+                                  </p:stCondLst>
+                                  <p:childTnLst>
+                                    <p:set>
+                                      <p:cBhvr>
+                                        <p:cTn id="41" dur="1" fill="hold">
+                                          <p:stCondLst>
+                                            <p:cond delay="0"/>
+                                          </p:stCondLst>
+                                        </p:cTn>
+                                        <p:tgtEl>
+                                          <p:spTgt spid="15"/>
+                                        </p:tgtEl>
+                                        <p:attrNameLst>
+                                          <p:attrName>style.visibility</p:attrName>
+                                        </p:attrNameLst>
+                                      </p:cBhvr>
+                                      <p:to>
+                                        <p:strVal val="visible"/>
+                                      </p:to>
+                                    </p:set>
+                                    <p:animEffect transition="in" filter="fade">
+                                      <p:cBhvr>
+                                        <p:cTn id="42" dur="500"/>
+                                        <p:tgtEl>
+                                          <p:spTgt spid="15"/>
+                                        </p:tgtEl>
+                                      </p:cBhvr>
+                                    </p:animEffect>
+                                  </p:childTnLst>
+                                </p:cTn>
+                              </p:par>
+                              <p:par>
+                                <p:cTn id="43" presetID="10" presetClass="entr" presetSubtype="0" fill="hold" nodeType="withEffect">
+                                  <p:stCondLst>
+                                    <p:cond delay="0"/>
+                                  </p:stCondLst>
+                                  <p:childTnLst>
+                                    <p:set>
+                                      <p:cBhvr>
+                                        <p:cTn id="44" dur="1" fill="hold">
+                                          <p:stCondLst>
+                                            <p:cond delay="0"/>
+                                          </p:stCondLst>
+                                        </p:cTn>
+                                        <p:tgtEl>
+                                          <p:spTgt spid="18"/>
+                                        </p:tgtEl>
+                                        <p:attrNameLst>
+                                          <p:attrName>style.visibility</p:attrName>
+                                        </p:attrNameLst>
+                                      </p:cBhvr>
+                                      <p:to>
+                                        <p:strVal val="visible"/>
+                                      </p:to>
+                                    </p:set>
+                                    <p:animEffect transition="in" filter="fade">
+                                      <p:cBhvr>
+                                        <p:cTn id="45" dur="500"/>
+                                        <p:tgtEl>
+                                          <p:spTgt spid="18"/>
                                         </p:tgtEl>
                                       </p:cBhvr>
                                     </p:animEffect>
@@ -8515,12 +7929,13 @@
       <p:bldP spid="6" grpId="0"/>
       <p:bldP spid="9" grpId="0"/>
       <p:bldP spid="13" grpId="0" animBg="1"/>
+      <p:bldP spid="15" grpId="0"/>
     </p:bldLst>
   </p:timing>
 </p:sld>
 </file>
 
-<file path=ppt/slides/slide16.xml><?xml version="1.0" encoding="utf-8"?>
+<file path=ppt/slides/slide15.xml><?xml version="1.0" encoding="utf-8"?>
 <p:sld xmlns:a="http://schemas.openxmlformats.org/drawingml/2006/main" xmlns:r="http://schemas.openxmlformats.org/officeDocument/2006/relationships" xmlns:p="http://schemas.openxmlformats.org/presentationml/2006/main">
   <p:cSld>
     <p:spTree>
@@ -8656,7 +8071,13 @@
       </p:sp>
       <p:pic>
         <p:nvPicPr>
-          <p:cNvPr id="2" name="Picture 1"/>
+          <p:cNvPr id="6" name="Picture 5">
+            <a:extLst>
+              <a:ext uri="{FF2B5EF4-FFF2-40B4-BE49-F238E27FC236}">
+                <a16:creationId xmlns:a16="http://schemas.microsoft.com/office/drawing/2014/main" id="{60F198F9-2770-4B73-9BDA-55760878C058}"/>
+              </a:ext>
+            </a:extLst>
+          </p:cNvPr>
           <p:cNvPicPr>
             <a:picLocks noChangeAspect="1"/>
           </p:cNvPicPr>
@@ -8670,14 +8091,164 @@
         </p:blipFill>
         <p:spPr>
           <a:xfrm>
-            <a:off x="758184" y="3449235"/>
-            <a:ext cx="7153275" cy="2676525"/>
+            <a:off x="569032" y="3264700"/>
+            <a:ext cx="9688192" cy="2241435"/>
           </a:xfrm>
           <a:prstGeom prst="rect">
             <a:avLst/>
           </a:prstGeom>
         </p:spPr>
       </p:pic>
+      <p:cxnSp>
+        <p:nvCxnSpPr>
+          <p:cNvPr id="22" name="Straight Arrow Connector 21">
+            <a:extLst>
+              <a:ext uri="{FF2B5EF4-FFF2-40B4-BE49-F238E27FC236}">
+                <a16:creationId xmlns:a16="http://schemas.microsoft.com/office/drawing/2014/main" id="{3476D6AA-F9E8-476C-B1A0-10DE677BC855}"/>
+              </a:ext>
+            </a:extLst>
+          </p:cNvPr>
+          <p:cNvCxnSpPr>
+            <a:cxnSpLocks/>
+          </p:cNvCxnSpPr>
+          <p:nvPr/>
+        </p:nvCxnSpPr>
+        <p:spPr>
+          <a:xfrm flipH="1">
+            <a:off x="6946200" y="3425040"/>
+            <a:ext cx="59040" cy="73440"/>
+          </a:xfrm>
+          <a:prstGeom prst="straightConnector1">
+            <a:avLst/>
+          </a:prstGeom>
+          <a:solidFill>
+            <a:srgbClr val="E71224">
+              <a:alpha val="5000"/>
+            </a:srgbClr>
+          </a:solidFill>
+          <a:ln w="9000">
+            <a:solidFill>
+              <a:srgbClr val="E71224"/>
+            </a:solidFill>
+          </a:ln>
+        </p:spPr>
+        <p:style>
+          <a:lnRef idx="1">
+            <a:schemeClr val="accent1"/>
+          </a:lnRef>
+          <a:fillRef idx="0">
+            <a:schemeClr val="accent1"/>
+          </a:fillRef>
+          <a:effectRef idx="0">
+            <a:schemeClr val="accent1"/>
+          </a:effectRef>
+          <a:fontRef idx="minor">
+            <a:schemeClr val="tx1"/>
+          </a:fontRef>
+        </p:style>
+      </p:cxnSp>
+      <mc:AlternateContent xmlns:mc="http://schemas.openxmlformats.org/markup-compatibility/2006">
+        <mc:Choice xmlns:p14="http://schemas.microsoft.com/office/powerpoint/2010/main" Requires="p14">
+          <p:contentPart p14:bwMode="auto" r:id="rId3">
+            <p14:nvContentPartPr>
+              <p14:cNvPr id="13" name="Ink 12">
+                <a:extLst>
+                  <a:ext uri="{FF2B5EF4-FFF2-40B4-BE49-F238E27FC236}">
+                    <a16:creationId xmlns:a16="http://schemas.microsoft.com/office/drawing/2014/main" id="{283901BB-331C-4353-9178-96323A807FDA}"/>
+                  </a:ext>
+                </a:extLst>
+              </p14:cNvPr>
+              <p14:cNvContentPartPr/>
+              <p14:nvPr/>
+            </p14:nvContentPartPr>
+            <p14:xfrm>
+              <a:off x="6684884" y="3154342"/>
+              <a:ext cx="819000" cy="928440"/>
+            </p14:xfrm>
+          </p:contentPart>
+        </mc:Choice>
+        <mc:Fallback>
+          <p:pic>
+            <p:nvPicPr>
+              <p:cNvPr id="13" name="Ink 12">
+                <a:extLst>
+                  <a:ext uri="{FF2B5EF4-FFF2-40B4-BE49-F238E27FC236}">
+                    <a16:creationId xmlns:a16="http://schemas.microsoft.com/office/drawing/2014/main" id="{283901BB-331C-4353-9178-96323A807FDA}"/>
+                  </a:ext>
+                </a:extLst>
+              </p:cNvPr>
+              <p:cNvPicPr/>
+              <p:nvPr/>
+            </p:nvPicPr>
+            <p:blipFill>
+              <a:blip r:embed="rId4"/>
+              <a:stretch>
+                <a:fillRect/>
+              </a:stretch>
+            </p:blipFill>
+            <p:spPr>
+              <a:xfrm>
+                <a:off x="6680564" y="3150022"/>
+                <a:ext cx="827640" cy="937080"/>
+              </a:xfrm>
+              <a:prstGeom prst="rect">
+                <a:avLst/>
+              </a:prstGeom>
+            </p:spPr>
+          </p:pic>
+        </mc:Fallback>
+      </mc:AlternateContent>
+      <mc:AlternateContent xmlns:mc="http://schemas.openxmlformats.org/markup-compatibility/2006">
+        <mc:Choice xmlns:p14="http://schemas.microsoft.com/office/powerpoint/2010/main" Requires="p14">
+          <p:contentPart p14:bwMode="auto" r:id="rId5">
+            <p14:nvContentPartPr>
+              <p14:cNvPr id="14" name="Ink 13">
+                <a:extLst>
+                  <a:ext uri="{FF2B5EF4-FFF2-40B4-BE49-F238E27FC236}">
+                    <a16:creationId xmlns:a16="http://schemas.microsoft.com/office/drawing/2014/main" id="{56C239C2-F3AE-4DA0-89ED-E3FD4B2DC393}"/>
+                  </a:ext>
+                </a:extLst>
+              </p14:cNvPr>
+              <p14:cNvContentPartPr/>
+              <p14:nvPr/>
+            </p14:nvContentPartPr>
+            <p14:xfrm>
+              <a:off x="1345724" y="4262422"/>
+              <a:ext cx="821520" cy="1054440"/>
+            </p14:xfrm>
+          </p:contentPart>
+        </mc:Choice>
+        <mc:Fallback>
+          <p:pic>
+            <p:nvPicPr>
+              <p:cNvPr id="14" name="Ink 13">
+                <a:extLst>
+                  <a:ext uri="{FF2B5EF4-FFF2-40B4-BE49-F238E27FC236}">
+                    <a16:creationId xmlns:a16="http://schemas.microsoft.com/office/drawing/2014/main" id="{56C239C2-F3AE-4DA0-89ED-E3FD4B2DC393}"/>
+                  </a:ext>
+                </a:extLst>
+              </p:cNvPr>
+              <p:cNvPicPr/>
+              <p:nvPr/>
+            </p:nvPicPr>
+            <p:blipFill>
+              <a:blip r:embed="rId6"/>
+              <a:stretch>
+                <a:fillRect/>
+              </a:stretch>
+            </p:blipFill>
+            <p:spPr>
+              <a:xfrm>
+                <a:off x="1341404" y="4258102"/>
+                <a:ext cx="830160" cy="1063080"/>
+              </a:xfrm>
+              <a:prstGeom prst="rect">
+                <a:avLst/>
+              </a:prstGeom>
+            </p:spPr>
+          </p:pic>
+        </mc:Fallback>
+      </mc:AlternateContent>
     </p:spTree>
     <p:extLst>
       <p:ext uri="{BB962C8B-B14F-4D97-AF65-F5344CB8AC3E}">
@@ -8718,7 +8289,7 @@
 </p:sld>
 </file>
 
-<file path=ppt/slides/slide17.xml><?xml version="1.0" encoding="utf-8"?>
+<file path=ppt/slides/slide16.xml><?xml version="1.0" encoding="utf-8"?>
 <p:sld xmlns:a="http://schemas.openxmlformats.org/drawingml/2006/main" xmlns:r="http://schemas.openxmlformats.org/officeDocument/2006/relationships" xmlns:p="http://schemas.openxmlformats.org/presentationml/2006/main">
   <p:cSld>
     <p:spTree>
@@ -8928,7 +8499,7 @@
 </p:sld>
 </file>
 
-<file path=ppt/slides/slide18.xml><?xml version="1.0" encoding="utf-8"?>
+<file path=ppt/slides/slide17.xml><?xml version="1.0" encoding="utf-8"?>
 <p:sld xmlns:a="http://schemas.openxmlformats.org/drawingml/2006/main" xmlns:r="http://schemas.openxmlformats.org/officeDocument/2006/relationships" xmlns:p="http://schemas.openxmlformats.org/presentationml/2006/main">
   <p:cSld>
     <p:spTree>
@@ -9247,7 +8818,7 @@
 </p:sld>
 </file>
 
-<file path=ppt/slides/slide19.xml><?xml version="1.0" encoding="utf-8"?>
+<file path=ppt/slides/slide18.xml><?xml version="1.0" encoding="utf-8"?>
 <p:sld xmlns:a="http://schemas.openxmlformats.org/drawingml/2006/main" xmlns:r="http://schemas.openxmlformats.org/officeDocument/2006/relationships" xmlns:p="http://schemas.openxmlformats.org/presentationml/2006/main">
   <p:cSld>
     <p:spTree>
@@ -9448,6 +9019,262 @@
         </p:cTn>
       </p:par>
     </p:tnLst>
+  </p:timing>
+</p:sld>
+</file>
+
+<file path=ppt/slides/slide19.xml><?xml version="1.0" encoding="utf-8"?>
+<p:sld xmlns:a="http://schemas.openxmlformats.org/drawingml/2006/main" xmlns:r="http://schemas.openxmlformats.org/officeDocument/2006/relationships" xmlns:p="http://schemas.openxmlformats.org/presentationml/2006/main">
+  <p:cSld>
+    <p:spTree>
+      <p:nvGrpSpPr>
+        <p:cNvPr id="1" name=""/>
+        <p:cNvGrpSpPr/>
+        <p:nvPr/>
+      </p:nvGrpSpPr>
+      <p:grpSpPr>
+        <a:xfrm>
+          <a:off x="0" y="0"/>
+          <a:ext cx="0" cy="0"/>
+          <a:chOff x="0" y="0"/>
+          <a:chExt cx="0" cy="0"/>
+        </a:xfrm>
+      </p:grpSpPr>
+      <p:pic>
+        <p:nvPicPr>
+          <p:cNvPr id="7" name="Picture 6"/>
+          <p:cNvPicPr>
+            <a:picLocks noChangeAspect="1"/>
+          </p:cNvPicPr>
+          <p:nvPr/>
+        </p:nvPicPr>
+        <p:blipFill>
+          <a:blip r:embed="rId2"/>
+          <a:stretch>
+            <a:fillRect/>
+          </a:stretch>
+        </p:blipFill>
+        <p:spPr>
+          <a:xfrm>
+            <a:off x="6507194" y="1687842"/>
+            <a:ext cx="4908950" cy="4512093"/>
+          </a:xfrm>
+          <a:prstGeom prst="rect">
+            <a:avLst/>
+          </a:prstGeom>
+        </p:spPr>
+      </p:pic>
+      <p:sp>
+        <p:nvSpPr>
+          <p:cNvPr id="2" name="Title 1"/>
+          <p:cNvSpPr>
+            <a:spLocks noGrp="1"/>
+          </p:cNvSpPr>
+          <p:nvPr>
+            <p:ph type="title"/>
+          </p:nvPr>
+        </p:nvSpPr>
+        <p:spPr/>
+        <p:txBody>
+          <a:bodyPr/>
+          <a:lstStyle/>
+          <a:p>
+            <a:r>
+              <a:rPr lang="en-IE"/>
+              <a:t>Filters</a:t>
+            </a:r>
+          </a:p>
+        </p:txBody>
+      </p:sp>
+      <p:sp>
+        <p:nvSpPr>
+          <p:cNvPr id="3" name="Text Placeholder 2"/>
+          <p:cNvSpPr>
+            <a:spLocks noGrp="1"/>
+          </p:cNvSpPr>
+          <p:nvPr>
+            <p:ph type="body"/>
+          </p:nvPr>
+        </p:nvSpPr>
+        <p:spPr>
+          <a:xfrm>
+            <a:off x="648617" y="1414020"/>
+            <a:ext cx="4444240" cy="4815479"/>
+          </a:xfrm>
+        </p:spPr>
+        <p:txBody>
+          <a:bodyPr>
+            <a:normAutofit/>
+          </a:bodyPr>
+          <a:lstStyle/>
+          <a:p>
+            <a:r>
+              <a:rPr lang="en-IE" dirty="0"/>
+              <a:t>If you want to authenticate for access to resources you can use multiple </a:t>
+            </a:r>
+            <a:r>
+              <a:rPr lang="en-IE" dirty="0" err="1"/>
+              <a:t>callbacks</a:t>
+            </a:r>
+            <a:r>
+              <a:rPr lang="en-IE" dirty="0"/>
+              <a:t> built into express routing</a:t>
+            </a:r>
+            <a:r>
+              <a:rPr lang="en-IE" sz="2800" dirty="0"/>
+              <a:t>. </a:t>
+            </a:r>
+            <a:endParaRPr lang="en-US" sz="2800" dirty="0"/>
+          </a:p>
+        </p:txBody>
+      </p:sp>
+      <p:sp>
+        <p:nvSpPr>
+          <p:cNvPr id="5" name="Speech Bubble: Rectangle with Corners Rounded 4"/>
+          <p:cNvSpPr/>
+          <p:nvPr/>
+        </p:nvSpPr>
+        <p:spPr>
+          <a:xfrm>
+            <a:off x="2463040" y="5625148"/>
+            <a:ext cx="2935705" cy="397042"/>
+          </a:xfrm>
+          <a:prstGeom prst="wedgeRoundRectCallout">
+            <a:avLst>
+              <a:gd name="adj1" fmla="val 174017"/>
+              <a:gd name="adj2" fmla="val -395712"/>
+              <a:gd name="adj3" fmla="val 16667"/>
+            </a:avLst>
+          </a:prstGeom>
+        </p:spPr>
+        <p:style>
+          <a:lnRef idx="2">
+            <a:schemeClr val="accent1">
+              <a:shade val="50000"/>
+            </a:schemeClr>
+          </a:lnRef>
+          <a:fillRef idx="1">
+            <a:schemeClr val="accent1"/>
+          </a:fillRef>
+          <a:effectRef idx="0">
+            <a:schemeClr val="accent1"/>
+          </a:effectRef>
+          <a:fontRef idx="minor">
+            <a:schemeClr val="lt1"/>
+          </a:fontRef>
+        </p:style>
+        <p:txBody>
+          <a:bodyPr rtlCol="0" anchor="ctr"/>
+          <a:lstStyle/>
+          <a:p>
+            <a:pPr algn="ctr"/>
+            <a:r>
+              <a:rPr lang="en-IE"/>
+              <a:t>Multiple </a:t>
+            </a:r>
+            <a:r>
+              <a:rPr lang="en-IE" err="1"/>
+              <a:t>Callbacks</a:t>
+            </a:r>
+            <a:endParaRPr lang="en-IE"/>
+          </a:p>
+        </p:txBody>
+      </p:sp>
+    </p:spTree>
+    <p:extLst>
+      <p:ext uri="{BB962C8B-B14F-4D97-AF65-F5344CB8AC3E}">
+        <p14:creationId xmlns:p14="http://schemas.microsoft.com/office/powerpoint/2010/main" val="1837500551"/>
+      </p:ext>
+    </p:extLst>
+  </p:cSld>
+  <p:clrMapOvr>
+    <a:masterClrMapping/>
+  </p:clrMapOvr>
+  <p:timing>
+    <p:tnLst>
+      <p:par>
+        <p:cTn id="1" dur="indefinite" restart="never" nodeType="tmRoot">
+          <p:childTnLst>
+            <p:seq concurrent="1" nextAc="seek">
+              <p:cTn id="2" dur="indefinite" nodeType="mainSeq">
+                <p:childTnLst>
+                  <p:par>
+                    <p:cTn id="3" fill="hold">
+                      <p:stCondLst>
+                        <p:cond delay="indefinite"/>
+                      </p:stCondLst>
+                      <p:childTnLst>
+                        <p:par>
+                          <p:cTn id="4" fill="hold">
+                            <p:stCondLst>
+                              <p:cond delay="0"/>
+                            </p:stCondLst>
+                            <p:childTnLst>
+                              <p:par>
+                                <p:cTn id="5" presetID="10" presetClass="entr" presetSubtype="0" fill="hold" grpId="0" nodeType="clickEffect">
+                                  <p:stCondLst>
+                                    <p:cond delay="0"/>
+                                  </p:stCondLst>
+                                  <p:childTnLst>
+                                    <p:set>
+                                      <p:cBhvr>
+                                        <p:cTn id="6" dur="1" fill="hold">
+                                          <p:stCondLst>
+                                            <p:cond delay="0"/>
+                                          </p:stCondLst>
+                                        </p:cTn>
+                                        <p:tgtEl>
+                                          <p:spTgt spid="5"/>
+                                        </p:tgtEl>
+                                        <p:attrNameLst>
+                                          <p:attrName>style.visibility</p:attrName>
+                                        </p:attrNameLst>
+                                      </p:cBhvr>
+                                      <p:to>
+                                        <p:strVal val="visible"/>
+                                      </p:to>
+                                    </p:set>
+                                    <p:animEffect transition="in" filter="fade">
+                                      <p:cBhvr>
+                                        <p:cTn id="7" dur="500"/>
+                                        <p:tgtEl>
+                                          <p:spTgt spid="5"/>
+                                        </p:tgtEl>
+                                      </p:cBhvr>
+                                    </p:animEffect>
+                                  </p:childTnLst>
+                                </p:cTn>
+                              </p:par>
+                            </p:childTnLst>
+                          </p:cTn>
+                        </p:par>
+                      </p:childTnLst>
+                    </p:cTn>
+                  </p:par>
+                </p:childTnLst>
+              </p:cTn>
+              <p:prevCondLst>
+                <p:cond evt="onPrev" delay="0">
+                  <p:tgtEl>
+                    <p:sldTgt/>
+                  </p:tgtEl>
+                </p:cond>
+              </p:prevCondLst>
+              <p:nextCondLst>
+                <p:cond evt="onNext" delay="0">
+                  <p:tgtEl>
+                    <p:sldTgt/>
+                  </p:tgtEl>
+                </p:cond>
+              </p:nextCondLst>
+            </p:seq>
+          </p:childTnLst>
+        </p:cTn>
+      </p:par>
+    </p:tnLst>
+    <p:bldLst>
+      <p:bldP spid="5" grpId="0" animBg="1"/>
+    </p:bldLst>
   </p:timing>
 </p:sld>
 </file>
@@ -9670,262 +9497,6 @@
         </p:cTn>
       </p:par>
     </p:tnLst>
-  </p:timing>
-</p:sld>
-</file>
-
-<file path=ppt/slides/slide20.xml><?xml version="1.0" encoding="utf-8"?>
-<p:sld xmlns:a="http://schemas.openxmlformats.org/drawingml/2006/main" xmlns:r="http://schemas.openxmlformats.org/officeDocument/2006/relationships" xmlns:p="http://schemas.openxmlformats.org/presentationml/2006/main">
-  <p:cSld>
-    <p:spTree>
-      <p:nvGrpSpPr>
-        <p:cNvPr id="1" name=""/>
-        <p:cNvGrpSpPr/>
-        <p:nvPr/>
-      </p:nvGrpSpPr>
-      <p:grpSpPr>
-        <a:xfrm>
-          <a:off x="0" y="0"/>
-          <a:ext cx="0" cy="0"/>
-          <a:chOff x="0" y="0"/>
-          <a:chExt cx="0" cy="0"/>
-        </a:xfrm>
-      </p:grpSpPr>
-      <p:pic>
-        <p:nvPicPr>
-          <p:cNvPr id="7" name="Picture 6"/>
-          <p:cNvPicPr>
-            <a:picLocks noChangeAspect="1"/>
-          </p:cNvPicPr>
-          <p:nvPr/>
-        </p:nvPicPr>
-        <p:blipFill>
-          <a:blip r:embed="rId2"/>
-          <a:stretch>
-            <a:fillRect/>
-          </a:stretch>
-        </p:blipFill>
-        <p:spPr>
-          <a:xfrm>
-            <a:off x="6507194" y="1687842"/>
-            <a:ext cx="4908950" cy="4512093"/>
-          </a:xfrm>
-          <a:prstGeom prst="rect">
-            <a:avLst/>
-          </a:prstGeom>
-        </p:spPr>
-      </p:pic>
-      <p:sp>
-        <p:nvSpPr>
-          <p:cNvPr id="2" name="Title 1"/>
-          <p:cNvSpPr>
-            <a:spLocks noGrp="1"/>
-          </p:cNvSpPr>
-          <p:nvPr>
-            <p:ph type="title"/>
-          </p:nvPr>
-        </p:nvSpPr>
-        <p:spPr/>
-        <p:txBody>
-          <a:bodyPr/>
-          <a:lstStyle/>
-          <a:p>
-            <a:r>
-              <a:rPr lang="en-IE"/>
-              <a:t>Filters</a:t>
-            </a:r>
-          </a:p>
-        </p:txBody>
-      </p:sp>
-      <p:sp>
-        <p:nvSpPr>
-          <p:cNvPr id="3" name="Text Placeholder 2"/>
-          <p:cNvSpPr>
-            <a:spLocks noGrp="1"/>
-          </p:cNvSpPr>
-          <p:nvPr>
-            <p:ph type="body"/>
-          </p:nvPr>
-        </p:nvSpPr>
-        <p:spPr>
-          <a:xfrm>
-            <a:off x="648617" y="1414020"/>
-            <a:ext cx="4444240" cy="4815479"/>
-          </a:xfrm>
-        </p:spPr>
-        <p:txBody>
-          <a:bodyPr>
-            <a:normAutofit/>
-          </a:bodyPr>
-          <a:lstStyle/>
-          <a:p>
-            <a:r>
-              <a:rPr lang="en-IE" dirty="0"/>
-              <a:t>If you want to authenticate for access to resources you can use multiple </a:t>
-            </a:r>
-            <a:r>
-              <a:rPr lang="en-IE" dirty="0" err="1"/>
-              <a:t>callbacks</a:t>
-            </a:r>
-            <a:r>
-              <a:rPr lang="en-IE" dirty="0"/>
-              <a:t> built into express routing</a:t>
-            </a:r>
-            <a:r>
-              <a:rPr lang="en-IE" sz="2800" dirty="0"/>
-              <a:t>. </a:t>
-            </a:r>
-            <a:endParaRPr lang="en-US" sz="2800" dirty="0"/>
-          </a:p>
-        </p:txBody>
-      </p:sp>
-      <p:sp>
-        <p:nvSpPr>
-          <p:cNvPr id="5" name="Speech Bubble: Rectangle with Corners Rounded 4"/>
-          <p:cNvSpPr/>
-          <p:nvPr/>
-        </p:nvSpPr>
-        <p:spPr>
-          <a:xfrm>
-            <a:off x="2463040" y="5625148"/>
-            <a:ext cx="2935705" cy="397042"/>
-          </a:xfrm>
-          <a:prstGeom prst="wedgeRoundRectCallout">
-            <a:avLst>
-              <a:gd name="adj1" fmla="val 174017"/>
-              <a:gd name="adj2" fmla="val -395712"/>
-              <a:gd name="adj3" fmla="val 16667"/>
-            </a:avLst>
-          </a:prstGeom>
-        </p:spPr>
-        <p:style>
-          <a:lnRef idx="2">
-            <a:schemeClr val="accent1">
-              <a:shade val="50000"/>
-            </a:schemeClr>
-          </a:lnRef>
-          <a:fillRef idx="1">
-            <a:schemeClr val="accent1"/>
-          </a:fillRef>
-          <a:effectRef idx="0">
-            <a:schemeClr val="accent1"/>
-          </a:effectRef>
-          <a:fontRef idx="minor">
-            <a:schemeClr val="lt1"/>
-          </a:fontRef>
-        </p:style>
-        <p:txBody>
-          <a:bodyPr rtlCol="0" anchor="ctr"/>
-          <a:lstStyle/>
-          <a:p>
-            <a:pPr algn="ctr"/>
-            <a:r>
-              <a:rPr lang="en-IE"/>
-              <a:t>Multiple </a:t>
-            </a:r>
-            <a:r>
-              <a:rPr lang="en-IE" err="1"/>
-              <a:t>Callbacks</a:t>
-            </a:r>
-            <a:endParaRPr lang="en-IE"/>
-          </a:p>
-        </p:txBody>
-      </p:sp>
-    </p:spTree>
-    <p:extLst>
-      <p:ext uri="{BB962C8B-B14F-4D97-AF65-F5344CB8AC3E}">
-        <p14:creationId xmlns:p14="http://schemas.microsoft.com/office/powerpoint/2010/main" val="1837500551"/>
-      </p:ext>
-    </p:extLst>
-  </p:cSld>
-  <p:clrMapOvr>
-    <a:masterClrMapping/>
-  </p:clrMapOvr>
-  <p:timing>
-    <p:tnLst>
-      <p:par>
-        <p:cTn id="1" dur="indefinite" restart="never" nodeType="tmRoot">
-          <p:childTnLst>
-            <p:seq concurrent="1" nextAc="seek">
-              <p:cTn id="2" dur="indefinite" nodeType="mainSeq">
-                <p:childTnLst>
-                  <p:par>
-                    <p:cTn id="3" fill="hold">
-                      <p:stCondLst>
-                        <p:cond delay="indefinite"/>
-                      </p:stCondLst>
-                      <p:childTnLst>
-                        <p:par>
-                          <p:cTn id="4" fill="hold">
-                            <p:stCondLst>
-                              <p:cond delay="0"/>
-                            </p:stCondLst>
-                            <p:childTnLst>
-                              <p:par>
-                                <p:cTn id="5" presetID="10" presetClass="entr" presetSubtype="0" fill="hold" grpId="0" nodeType="clickEffect">
-                                  <p:stCondLst>
-                                    <p:cond delay="0"/>
-                                  </p:stCondLst>
-                                  <p:childTnLst>
-                                    <p:set>
-                                      <p:cBhvr>
-                                        <p:cTn id="6" dur="1" fill="hold">
-                                          <p:stCondLst>
-                                            <p:cond delay="0"/>
-                                          </p:stCondLst>
-                                        </p:cTn>
-                                        <p:tgtEl>
-                                          <p:spTgt spid="5"/>
-                                        </p:tgtEl>
-                                        <p:attrNameLst>
-                                          <p:attrName>style.visibility</p:attrName>
-                                        </p:attrNameLst>
-                                      </p:cBhvr>
-                                      <p:to>
-                                        <p:strVal val="visible"/>
-                                      </p:to>
-                                    </p:set>
-                                    <p:animEffect transition="in" filter="fade">
-                                      <p:cBhvr>
-                                        <p:cTn id="7" dur="500"/>
-                                        <p:tgtEl>
-                                          <p:spTgt spid="5"/>
-                                        </p:tgtEl>
-                                      </p:cBhvr>
-                                    </p:animEffect>
-                                  </p:childTnLst>
-                                </p:cTn>
-                              </p:par>
-                            </p:childTnLst>
-                          </p:cTn>
-                        </p:par>
-                      </p:childTnLst>
-                    </p:cTn>
-                  </p:par>
-                </p:childTnLst>
-              </p:cTn>
-              <p:prevCondLst>
-                <p:cond evt="onPrev" delay="0">
-                  <p:tgtEl>
-                    <p:sldTgt/>
-                  </p:tgtEl>
-                </p:cond>
-              </p:prevCondLst>
-              <p:nextCondLst>
-                <p:cond evt="onNext" delay="0">
-                  <p:tgtEl>
-                    <p:sldTgt/>
-                  </p:tgtEl>
-                </p:cond>
-              </p:nextCondLst>
-            </p:seq>
-          </p:childTnLst>
-        </p:cTn>
-      </p:par>
-    </p:tnLst>
-    <p:bldLst>
-      <p:bldP spid="5" grpId="0" animBg="1"/>
-    </p:bldLst>
   </p:timing>
 </p:sld>
 </file>
